--- a/CanvasGame/Un jeu en canvas.pptx
+++ b/CanvasGame/Un jeu en canvas.pptx
@@ -6,6 +6,14 @@
   </p:sldMasterIdLst>
   <p:sldIdLst>
     <p:sldId id="256" r:id="rId2"/>
+    <p:sldId id="257" r:id="rId3"/>
+    <p:sldId id="258" r:id="rId4"/>
+    <p:sldId id="259" r:id="rId5"/>
+    <p:sldId id="260" r:id="rId6"/>
+    <p:sldId id="261" r:id="rId7"/>
+    <p:sldId id="262" r:id="rId8"/>
+    <p:sldId id="264" r:id="rId9"/>
+    <p:sldId id="263" r:id="rId10"/>
   </p:sldIdLst>
   <p:sldSz cx="12192000" cy="6858000"/>
   <p:notesSz cx="6858000" cy="9144000"/>
@@ -104,6 +112,11 @@
       </a:defRPr>
     </a:lvl9pPr>
   </p:defaultTextStyle>
+  <p:extLst>
+    <p:ext uri="{EFAFB233-063F-42B5-8137-9DF3F51BA10A}">
+      <p15:sldGuideLst xmlns:p15="http://schemas.microsoft.com/office/powerpoint/2012/main"/>
+    </p:ext>
+  </p:extLst>
 </p:presentation>
 </file>
 
@@ -238,7 +251,7 @@
           <a:p>
             <a:fld id="{6FEA4DE1-29A1-49DE-9A78-61F90F881913}" type="datetimeFigureOut">
               <a:rPr lang="fr-BE" smtClean="0"/>
-              <a:t>13-12-15</a:t>
+              <a:t>09-01-16</a:t>
             </a:fld>
             <a:endParaRPr lang="fr-BE"/>
           </a:p>
@@ -408,7 +421,7 @@
           <a:p>
             <a:fld id="{6FEA4DE1-29A1-49DE-9A78-61F90F881913}" type="datetimeFigureOut">
               <a:rPr lang="fr-BE" smtClean="0"/>
-              <a:t>13-12-15</a:t>
+              <a:t>09-01-16</a:t>
             </a:fld>
             <a:endParaRPr lang="fr-BE"/>
           </a:p>
@@ -588,7 +601,7 @@
           <a:p>
             <a:fld id="{6FEA4DE1-29A1-49DE-9A78-61F90F881913}" type="datetimeFigureOut">
               <a:rPr lang="fr-BE" smtClean="0"/>
-              <a:t>13-12-15</a:t>
+              <a:t>09-01-16</a:t>
             </a:fld>
             <a:endParaRPr lang="fr-BE"/>
           </a:p>
@@ -758,7 +771,7 @@
           <a:p>
             <a:fld id="{6FEA4DE1-29A1-49DE-9A78-61F90F881913}" type="datetimeFigureOut">
               <a:rPr lang="fr-BE" smtClean="0"/>
-              <a:t>13-12-15</a:t>
+              <a:t>09-01-16</a:t>
             </a:fld>
             <a:endParaRPr lang="fr-BE"/>
           </a:p>
@@ -1004,7 +1017,7 @@
           <a:p>
             <a:fld id="{6FEA4DE1-29A1-49DE-9A78-61F90F881913}" type="datetimeFigureOut">
               <a:rPr lang="fr-BE" smtClean="0"/>
-              <a:t>13-12-15</a:t>
+              <a:t>09-01-16</a:t>
             </a:fld>
             <a:endParaRPr lang="fr-BE"/>
           </a:p>
@@ -1236,7 +1249,7 @@
           <a:p>
             <a:fld id="{6FEA4DE1-29A1-49DE-9A78-61F90F881913}" type="datetimeFigureOut">
               <a:rPr lang="fr-BE" smtClean="0"/>
-              <a:t>13-12-15</a:t>
+              <a:t>09-01-16</a:t>
             </a:fld>
             <a:endParaRPr lang="fr-BE"/>
           </a:p>
@@ -1603,7 +1616,7 @@
           <a:p>
             <a:fld id="{6FEA4DE1-29A1-49DE-9A78-61F90F881913}" type="datetimeFigureOut">
               <a:rPr lang="fr-BE" smtClean="0"/>
-              <a:t>13-12-15</a:t>
+              <a:t>09-01-16</a:t>
             </a:fld>
             <a:endParaRPr lang="fr-BE"/>
           </a:p>
@@ -1721,7 +1734,7 @@
           <a:p>
             <a:fld id="{6FEA4DE1-29A1-49DE-9A78-61F90F881913}" type="datetimeFigureOut">
               <a:rPr lang="fr-BE" smtClean="0"/>
-              <a:t>13-12-15</a:t>
+              <a:t>09-01-16</a:t>
             </a:fld>
             <a:endParaRPr lang="fr-BE"/>
           </a:p>
@@ -1816,7 +1829,7 @@
           <a:p>
             <a:fld id="{6FEA4DE1-29A1-49DE-9A78-61F90F881913}" type="datetimeFigureOut">
               <a:rPr lang="fr-BE" smtClean="0"/>
-              <a:t>13-12-15</a:t>
+              <a:t>09-01-16</a:t>
             </a:fld>
             <a:endParaRPr lang="fr-BE"/>
           </a:p>
@@ -2093,7 +2106,7 @@
           <a:p>
             <a:fld id="{6FEA4DE1-29A1-49DE-9A78-61F90F881913}" type="datetimeFigureOut">
               <a:rPr lang="fr-BE" smtClean="0"/>
-              <a:t>13-12-15</a:t>
+              <a:t>09-01-16</a:t>
             </a:fld>
             <a:endParaRPr lang="fr-BE"/>
           </a:p>
@@ -2346,7 +2359,7 @@
           <a:p>
             <a:fld id="{6FEA4DE1-29A1-49DE-9A78-61F90F881913}" type="datetimeFigureOut">
               <a:rPr lang="fr-BE" smtClean="0"/>
-              <a:t>13-12-15</a:t>
+              <a:t>09-01-16</a:t>
             </a:fld>
             <a:endParaRPr lang="fr-BE"/>
           </a:p>
@@ -2559,7 +2572,7 @@
           <a:p>
             <a:fld id="{6FEA4DE1-29A1-49DE-9A78-61F90F881913}" type="datetimeFigureOut">
               <a:rPr lang="fr-BE" smtClean="0"/>
-              <a:t>13-12-15</a:t>
+              <a:t>09-01-16</a:t>
             </a:fld>
             <a:endParaRPr lang="fr-BE"/>
           </a:p>
@@ -3014,15 +3027,7 @@
             </a:r>
             <a:r>
               <a:rPr lang="fr-FR" dirty="0" smtClean="0"/>
-              <a:t> avec javascript,phaser</a:t>
-            </a:r>
-            <a:r>
-              <a:rPr lang="fr-FR" dirty="0" smtClean="0"/>
-              <a:t>.js et box2d plugin</a:t>
-            </a:r>
-            <a:r>
-              <a:rPr lang="fr-FR" dirty="0" smtClean="0"/>
-              <a:t> ?</a:t>
+              <a:t> avec javascript,phaser.js et box2d plugin ?</a:t>
             </a:r>
           </a:p>
           <a:p>
@@ -3048,6 +3053,1866 @@
     <p:extLst>
       <p:ext uri="{BB962C8B-B14F-4D97-AF65-F5344CB8AC3E}">
         <p14:creationId xmlns:p14="http://schemas.microsoft.com/office/powerpoint/2010/main" val="4019752821"/>
+      </p:ext>
+    </p:extLst>
+  </p:cSld>
+  <p:clrMapOvr>
+    <a:masterClrMapping/>
+  </p:clrMapOvr>
+</p:sld>
+</file>
+
+<file path=ppt/slides/slide2.xml><?xml version="1.0" encoding="utf-8"?>
+<p:sld xmlns:a="http://schemas.openxmlformats.org/drawingml/2006/main" xmlns:r="http://schemas.openxmlformats.org/officeDocument/2006/relationships" xmlns:p="http://schemas.openxmlformats.org/presentationml/2006/main">
+  <p:cSld>
+    <p:spTree>
+      <p:nvGrpSpPr>
+        <p:cNvPr id="1" name=""/>
+        <p:cNvGrpSpPr/>
+        <p:nvPr/>
+      </p:nvGrpSpPr>
+      <p:grpSpPr>
+        <a:xfrm>
+          <a:off x="0" y="0"/>
+          <a:ext cx="0" cy="0"/>
+          <a:chOff x="0" y="0"/>
+          <a:chExt cx="0" cy="0"/>
+        </a:xfrm>
+      </p:grpSpPr>
+      <p:sp>
+        <p:nvSpPr>
+          <p:cNvPr id="2" name="Title 1"/>
+          <p:cNvSpPr>
+            <a:spLocks noGrp="1"/>
+          </p:cNvSpPr>
+          <p:nvPr>
+            <p:ph type="title"/>
+          </p:nvPr>
+        </p:nvSpPr>
+        <p:spPr/>
+        <p:txBody>
+          <a:bodyPr/>
+          <a:lstStyle/>
+          <a:p>
+            <a:r>
+              <a:rPr lang="fr-BE" u="sng" dirty="0" smtClean="0"/>
+              <a:t>Quoi </a:t>
+            </a:r>
+            <a:r>
+              <a:rPr lang="fr-BE" u="sng" dirty="0" err="1" smtClean="0"/>
+              <a:t>Canvas</a:t>
+            </a:r>
+            <a:r>
+              <a:rPr lang="fr-BE" u="sng" dirty="0" smtClean="0"/>
+              <a:t>?</a:t>
+            </a:r>
+            <a:endParaRPr lang="fr-BE" u="sng" dirty="0"/>
+          </a:p>
+        </p:txBody>
+      </p:sp>
+      <p:sp>
+        <p:nvSpPr>
+          <p:cNvPr id="3" name="Content Placeholder 2"/>
+          <p:cNvSpPr>
+            <a:spLocks noGrp="1"/>
+          </p:cNvSpPr>
+          <p:nvPr>
+            <p:ph idx="1"/>
+          </p:nvPr>
+        </p:nvSpPr>
+        <p:spPr/>
+        <p:txBody>
+          <a:bodyPr/>
+          <a:lstStyle/>
+          <a:p>
+            <a:r>
+              <a:rPr lang="fr-BE" dirty="0" err="1" smtClean="0"/>
+              <a:t>Canvas</a:t>
+            </a:r>
+            <a:r>
+              <a:rPr lang="fr-BE" dirty="0" smtClean="0"/>
+              <a:t> est un nouvelle balise créer dans html5 dans le but de supporter les graphique dans le web </a:t>
+            </a:r>
+          </a:p>
+          <a:p>
+            <a:r>
+              <a:rPr lang="fr-BE" dirty="0" smtClean="0"/>
+              <a:t>Les enceints flash vidéo et les images </a:t>
+            </a:r>
+            <a:r>
+              <a:rPr lang="fr-BE" dirty="0" err="1" smtClean="0"/>
+              <a:t>Gif</a:t>
+            </a:r>
+            <a:r>
+              <a:rPr lang="fr-BE" dirty="0" smtClean="0"/>
+              <a:t> peux être remplacer facilement par </a:t>
+            </a:r>
+            <a:r>
+              <a:rPr lang="fr-BE" dirty="0" err="1" smtClean="0"/>
+              <a:t>Canvas</a:t>
+            </a:r>
+            <a:r>
+              <a:rPr lang="fr-BE" dirty="0" smtClean="0"/>
+              <a:t> </a:t>
+            </a:r>
+          </a:p>
+          <a:p>
+            <a:r>
+              <a:rPr lang="fr-BE" dirty="0" smtClean="0"/>
+              <a:t>Les graphique créer dans </a:t>
+            </a:r>
+            <a:r>
+              <a:rPr lang="fr-BE" dirty="0" err="1" smtClean="0"/>
+              <a:t>canvas</a:t>
+            </a:r>
+            <a:r>
+              <a:rPr lang="fr-BE" dirty="0" smtClean="0"/>
+              <a:t> sont </a:t>
+            </a:r>
+            <a:r>
+              <a:rPr lang="fr-BE" dirty="0" err="1" smtClean="0"/>
+              <a:t>rapid</a:t>
+            </a:r>
+            <a:r>
+              <a:rPr lang="fr-BE" dirty="0" smtClean="0"/>
+              <a:t> par leur performance ( dans le cas d’une graphique comme le </a:t>
+            </a:r>
+            <a:r>
+              <a:rPr lang="fr-BE" dirty="0" err="1" smtClean="0"/>
+              <a:t>Gif</a:t>
+            </a:r>
+            <a:r>
+              <a:rPr lang="fr-BE" dirty="0" smtClean="0"/>
+              <a:t> )</a:t>
+            </a:r>
+          </a:p>
+          <a:p>
+            <a:r>
+              <a:rPr lang="fr-BE" dirty="0" smtClean="0"/>
+              <a:t>Les nouveaux version du browsers support les </a:t>
+            </a:r>
+            <a:r>
+              <a:rPr lang="fr-BE" dirty="0" err="1" smtClean="0"/>
+              <a:t>canvas</a:t>
+            </a:r>
+            <a:r>
+              <a:rPr lang="fr-BE" dirty="0" smtClean="0"/>
+              <a:t> </a:t>
+            </a:r>
+            <a:endParaRPr lang="fr-BE" dirty="0"/>
+          </a:p>
+        </p:txBody>
+      </p:sp>
+    </p:spTree>
+    <p:extLst>
+      <p:ext uri="{BB962C8B-B14F-4D97-AF65-F5344CB8AC3E}">
+        <p14:creationId xmlns:p14="http://schemas.microsoft.com/office/powerpoint/2010/main" val="2486143399"/>
+      </p:ext>
+    </p:extLst>
+  </p:cSld>
+  <p:clrMapOvr>
+    <a:masterClrMapping/>
+  </p:clrMapOvr>
+</p:sld>
+</file>
+
+<file path=ppt/slides/slide3.xml><?xml version="1.0" encoding="utf-8"?>
+<p:sld xmlns:a="http://schemas.openxmlformats.org/drawingml/2006/main" xmlns:r="http://schemas.openxmlformats.org/officeDocument/2006/relationships" xmlns:p="http://schemas.openxmlformats.org/presentationml/2006/main">
+  <p:cSld>
+    <p:spTree>
+      <p:nvGrpSpPr>
+        <p:cNvPr id="1" name=""/>
+        <p:cNvGrpSpPr/>
+        <p:nvPr/>
+      </p:nvGrpSpPr>
+      <p:grpSpPr>
+        <a:xfrm>
+          <a:off x="0" y="0"/>
+          <a:ext cx="0" cy="0"/>
+          <a:chOff x="0" y="0"/>
+          <a:chExt cx="0" cy="0"/>
+        </a:xfrm>
+      </p:grpSpPr>
+      <p:sp>
+        <p:nvSpPr>
+          <p:cNvPr id="2" name="Title 1"/>
+          <p:cNvSpPr>
+            <a:spLocks noGrp="1"/>
+          </p:cNvSpPr>
+          <p:nvPr>
+            <p:ph type="title"/>
+          </p:nvPr>
+        </p:nvSpPr>
+        <p:spPr/>
+        <p:txBody>
+          <a:bodyPr/>
+          <a:lstStyle/>
+          <a:p>
+            <a:r>
+              <a:rPr lang="fr-BE" u="sng" dirty="0" smtClean="0"/>
+              <a:t>Comment Créer les graphique?</a:t>
+            </a:r>
+            <a:endParaRPr lang="fr-BE" u="sng" dirty="0"/>
+          </a:p>
+        </p:txBody>
+      </p:sp>
+      <p:sp>
+        <p:nvSpPr>
+          <p:cNvPr id="3" name="Content Placeholder 2"/>
+          <p:cNvSpPr>
+            <a:spLocks noGrp="1"/>
+          </p:cNvSpPr>
+          <p:nvPr>
+            <p:ph idx="1"/>
+          </p:nvPr>
+        </p:nvSpPr>
+        <p:spPr/>
+        <p:txBody>
+          <a:bodyPr>
+            <a:normAutofit fontScale="70000" lnSpcReduction="20000"/>
+          </a:bodyPr>
+          <a:lstStyle/>
+          <a:p>
+            <a:r>
+              <a:rPr lang="fr-BE" dirty="0" smtClean="0"/>
+              <a:t>Le </a:t>
+            </a:r>
+            <a:r>
+              <a:rPr lang="fr-BE" dirty="0" err="1" smtClean="0"/>
+              <a:t>canvas</a:t>
+            </a:r>
+            <a:r>
+              <a:rPr lang="fr-BE" dirty="0" smtClean="0"/>
+              <a:t> est seulement un conteneur du graphique, les graphique </a:t>
+            </a:r>
+            <a:r>
+              <a:rPr lang="fr-BE" dirty="0" smtClean="0"/>
+              <a:t>sont </a:t>
+            </a:r>
+            <a:r>
+              <a:rPr lang="fr-BE" dirty="0" smtClean="0"/>
+              <a:t>dessiner par un script en utilisant le </a:t>
+            </a:r>
+            <a:r>
+              <a:rPr lang="fr-BE" dirty="0" smtClean="0"/>
+              <a:t>JavaScript</a:t>
+            </a:r>
+          </a:p>
+          <a:p>
+            <a:pPr marL="0" indent="0">
+              <a:buNone/>
+            </a:pPr>
+            <a:r>
+              <a:rPr lang="fr-BE" dirty="0" smtClean="0"/>
+              <a:t>Ex : </a:t>
+            </a:r>
+          </a:p>
+          <a:p>
+            <a:pPr marL="0" indent="0">
+              <a:buNone/>
+            </a:pPr>
+            <a:endParaRPr lang="fr-BE" dirty="0" smtClean="0"/>
+          </a:p>
+          <a:p>
+            <a:pPr marL="0" indent="0">
+              <a:buNone/>
+            </a:pPr>
+            <a:r>
+              <a:rPr lang="fr-BE" u="sng" dirty="0" smtClean="0"/>
+              <a:t>Création d’une rectangle</a:t>
+            </a:r>
+          </a:p>
+          <a:p>
+            <a:pPr marL="0" indent="0">
+              <a:buNone/>
+            </a:pPr>
+            <a:r>
+              <a:rPr lang="fr-BE" dirty="0" smtClean="0"/>
+              <a:t> </a:t>
+            </a:r>
+          </a:p>
+          <a:p>
+            <a:pPr marL="0" indent="0">
+              <a:buNone/>
+            </a:pPr>
+            <a:r>
+              <a:rPr lang="en-US" dirty="0" smtClean="0"/>
+              <a:t>&lt;</a:t>
+            </a:r>
+            <a:r>
+              <a:rPr lang="en-US" dirty="0"/>
+              <a:t>canvas id="</a:t>
+            </a:r>
+            <a:r>
+              <a:rPr lang="en-US" dirty="0" err="1"/>
+              <a:t>myCanvas</a:t>
+            </a:r>
+            <a:r>
+              <a:rPr lang="en-US" dirty="0"/>
+              <a:t>" width="200" height="100" style="border:1px solid #000000;"&gt;</a:t>
+            </a:r>
+            <a:br>
+              <a:rPr lang="en-US" dirty="0"/>
+            </a:br>
+            <a:r>
+              <a:rPr lang="en-US" dirty="0"/>
+              <a:t>&lt;/canvas&gt; </a:t>
+            </a:r>
+            <a:endParaRPr lang="en-US" dirty="0" smtClean="0"/>
+          </a:p>
+          <a:p>
+            <a:pPr marL="0" indent="0">
+              <a:buNone/>
+            </a:pPr>
+            <a:r>
+              <a:rPr lang="en-US" dirty="0" smtClean="0"/>
+              <a:t>&lt;script&gt;</a:t>
+            </a:r>
+            <a:endParaRPr lang="en-US" dirty="0"/>
+          </a:p>
+          <a:p>
+            <a:pPr marL="457200" lvl="1" indent="0">
+              <a:buNone/>
+            </a:pPr>
+            <a:r>
+              <a:rPr lang="fr-BE" dirty="0"/>
+              <a:t>var c = </a:t>
+            </a:r>
+            <a:r>
+              <a:rPr lang="fr-BE" dirty="0" err="1"/>
+              <a:t>document.getElementById</a:t>
+            </a:r>
+            <a:r>
+              <a:rPr lang="fr-BE" dirty="0"/>
+              <a:t>("</a:t>
+            </a:r>
+            <a:r>
+              <a:rPr lang="fr-BE" dirty="0" err="1"/>
+              <a:t>myCanvas</a:t>
+            </a:r>
+            <a:r>
+              <a:rPr lang="fr-BE" dirty="0"/>
+              <a:t>");</a:t>
+            </a:r>
+          </a:p>
+          <a:p>
+            <a:pPr marL="457200" lvl="1" indent="0">
+              <a:buNone/>
+            </a:pPr>
+            <a:r>
+              <a:rPr lang="fr-BE" dirty="0"/>
+              <a:t>var </a:t>
+            </a:r>
+            <a:r>
+              <a:rPr lang="fr-BE" dirty="0" err="1"/>
+              <a:t>ctx</a:t>
+            </a:r>
+            <a:r>
+              <a:rPr lang="fr-BE" dirty="0"/>
+              <a:t> = </a:t>
+            </a:r>
+            <a:r>
+              <a:rPr lang="fr-BE" dirty="0" err="1"/>
+              <a:t>c.getContext</a:t>
+            </a:r>
+            <a:r>
+              <a:rPr lang="fr-BE" dirty="0"/>
+              <a:t>("2d");</a:t>
+            </a:r>
+          </a:p>
+          <a:p>
+            <a:pPr marL="457200" lvl="1" indent="0">
+              <a:buNone/>
+            </a:pPr>
+            <a:r>
+              <a:rPr lang="fr-BE" dirty="0" err="1"/>
+              <a:t>ctx.fillStyle</a:t>
+            </a:r>
+            <a:r>
+              <a:rPr lang="fr-BE" dirty="0"/>
+              <a:t> = "#FF0000";</a:t>
+            </a:r>
+          </a:p>
+          <a:p>
+            <a:pPr marL="457200" lvl="1" indent="0">
+              <a:buNone/>
+            </a:pPr>
+            <a:r>
+              <a:rPr lang="fr-BE" dirty="0" err="1"/>
+              <a:t>ctx.fillRect</a:t>
+            </a:r>
+            <a:r>
+              <a:rPr lang="fr-BE" dirty="0"/>
+              <a:t>(0,0,150,75);</a:t>
+            </a:r>
+            <a:endParaRPr lang="fr-BE" dirty="0" smtClean="0"/>
+          </a:p>
+          <a:p>
+            <a:pPr marL="0" indent="0">
+              <a:buNone/>
+            </a:pPr>
+            <a:r>
+              <a:rPr lang="fr-BE" dirty="0" smtClean="0"/>
+              <a:t>&lt;/script&gt;</a:t>
+            </a:r>
+            <a:endParaRPr lang="fr-BE" dirty="0"/>
+          </a:p>
+        </p:txBody>
+      </p:sp>
+      <p:pic>
+        <p:nvPicPr>
+          <p:cNvPr id="4" name="Picture 3"/>
+          <p:cNvPicPr>
+            <a:picLocks noChangeAspect="1"/>
+          </p:cNvPicPr>
+          <p:nvPr/>
+        </p:nvPicPr>
+        <p:blipFill>
+          <a:blip r:embed="rId2">
+            <a:extLst>
+              <a:ext uri="{28A0092B-C50C-407E-A947-70E740481C1C}">
+                <a14:useLocalDpi xmlns:a14="http://schemas.microsoft.com/office/drawing/2010/main" val="0"/>
+              </a:ext>
+            </a:extLst>
+          </a:blip>
+          <a:stretch>
+            <a:fillRect/>
+          </a:stretch>
+        </p:blipFill>
+        <p:spPr>
+          <a:xfrm>
+            <a:off x="7585492" y="4233381"/>
+            <a:ext cx="1924319" cy="962159"/>
+          </a:xfrm>
+          <a:prstGeom prst="rect">
+            <a:avLst/>
+          </a:prstGeom>
+        </p:spPr>
+      </p:pic>
+    </p:spTree>
+    <p:extLst>
+      <p:ext uri="{BB962C8B-B14F-4D97-AF65-F5344CB8AC3E}">
+        <p14:creationId xmlns:p14="http://schemas.microsoft.com/office/powerpoint/2010/main" val="957729686"/>
+      </p:ext>
+    </p:extLst>
+  </p:cSld>
+  <p:clrMapOvr>
+    <a:masterClrMapping/>
+  </p:clrMapOvr>
+</p:sld>
+</file>
+
+<file path=ppt/slides/slide4.xml><?xml version="1.0" encoding="utf-8"?>
+<p:sld xmlns:a="http://schemas.openxmlformats.org/drawingml/2006/main" xmlns:r="http://schemas.openxmlformats.org/officeDocument/2006/relationships" xmlns:p="http://schemas.openxmlformats.org/presentationml/2006/main">
+  <p:cSld>
+    <p:spTree>
+      <p:nvGrpSpPr>
+        <p:cNvPr id="1" name=""/>
+        <p:cNvGrpSpPr/>
+        <p:nvPr/>
+      </p:nvGrpSpPr>
+      <p:grpSpPr>
+        <a:xfrm>
+          <a:off x="0" y="0"/>
+          <a:ext cx="0" cy="0"/>
+          <a:chOff x="0" y="0"/>
+          <a:chExt cx="0" cy="0"/>
+        </a:xfrm>
+      </p:grpSpPr>
+      <p:sp>
+        <p:nvSpPr>
+          <p:cNvPr id="3" name="Content Placeholder 2"/>
+          <p:cNvSpPr>
+            <a:spLocks noGrp="1"/>
+          </p:cNvSpPr>
+          <p:nvPr>
+            <p:ph idx="1"/>
+          </p:nvPr>
+        </p:nvSpPr>
+        <p:spPr>
+          <a:xfrm>
+            <a:off x="0" y="0"/>
+            <a:ext cx="12192000" cy="6858000"/>
+          </a:xfrm>
+        </p:spPr>
+        <p:txBody>
+          <a:bodyPr/>
+          <a:lstStyle/>
+          <a:p>
+            <a:pPr marL="0" indent="0">
+              <a:buNone/>
+            </a:pPr>
+            <a:r>
+              <a:rPr lang="fr-BE" dirty="0" smtClean="0"/>
+              <a:t>Ex 2 :</a:t>
+            </a:r>
+          </a:p>
+          <a:p>
+            <a:pPr marL="0" indent="0">
+              <a:buNone/>
+            </a:pPr>
+            <a:endParaRPr lang="fr-BE" dirty="0"/>
+          </a:p>
+          <a:p>
+            <a:pPr marL="0" indent="0">
+              <a:buNone/>
+            </a:pPr>
+            <a:r>
+              <a:rPr lang="fr-BE" u="sng" dirty="0" smtClean="0"/>
+              <a:t>Création d’un cercle</a:t>
+            </a:r>
+          </a:p>
+          <a:p>
+            <a:pPr marL="0" indent="0">
+              <a:buNone/>
+            </a:pPr>
+            <a:r>
+              <a:rPr lang="en-US" dirty="0"/>
+              <a:t>&lt;canvas id="</a:t>
+            </a:r>
+            <a:r>
+              <a:rPr lang="en-US" dirty="0" err="1"/>
+              <a:t>myCanvas</a:t>
+            </a:r>
+            <a:r>
+              <a:rPr lang="en-US" dirty="0"/>
+              <a:t>" width="200" height="100" style="border:1px solid #000000;"&gt;</a:t>
+            </a:r>
+            <a:br>
+              <a:rPr lang="en-US" dirty="0"/>
+            </a:br>
+            <a:r>
+              <a:rPr lang="en-US" dirty="0"/>
+              <a:t>&lt;/canvas&gt; </a:t>
+            </a:r>
+          </a:p>
+          <a:p>
+            <a:pPr marL="0" indent="0">
+              <a:buNone/>
+            </a:pPr>
+            <a:r>
+              <a:rPr lang="fr-BE" dirty="0" smtClean="0"/>
+              <a:t>&lt;script&gt;</a:t>
+            </a:r>
+            <a:endParaRPr lang="fr-BE" dirty="0"/>
+          </a:p>
+          <a:p>
+            <a:pPr marL="457200" lvl="1" indent="0">
+              <a:buNone/>
+            </a:pPr>
+            <a:r>
+              <a:rPr lang="en-US" dirty="0" err="1"/>
+              <a:t>var</a:t>
+            </a:r>
+            <a:r>
+              <a:rPr lang="en-US" dirty="0"/>
+              <a:t> c = </a:t>
+            </a:r>
+            <a:r>
+              <a:rPr lang="en-US" dirty="0" err="1"/>
+              <a:t>document.getElementById</a:t>
+            </a:r>
+            <a:r>
+              <a:rPr lang="en-US" dirty="0"/>
+              <a:t>("</a:t>
+            </a:r>
+            <a:r>
+              <a:rPr lang="en-US" dirty="0" err="1"/>
+              <a:t>myCanvas</a:t>
+            </a:r>
+            <a:r>
+              <a:rPr lang="en-US" dirty="0"/>
+              <a:t>");</a:t>
+            </a:r>
+            <a:br>
+              <a:rPr lang="en-US" dirty="0"/>
+            </a:br>
+            <a:r>
+              <a:rPr lang="en-US" dirty="0" err="1"/>
+              <a:t>var</a:t>
+            </a:r>
+            <a:r>
+              <a:rPr lang="en-US" dirty="0"/>
+              <a:t> </a:t>
+            </a:r>
+            <a:r>
+              <a:rPr lang="en-US" dirty="0" err="1"/>
+              <a:t>ctx</a:t>
+            </a:r>
+            <a:r>
+              <a:rPr lang="en-US" dirty="0"/>
+              <a:t> = </a:t>
+            </a:r>
+            <a:r>
+              <a:rPr lang="en-US" dirty="0" err="1"/>
+              <a:t>c.getContext</a:t>
+            </a:r>
+            <a:r>
+              <a:rPr lang="en-US" dirty="0"/>
+              <a:t>("2d");</a:t>
+            </a:r>
+            <a:br>
+              <a:rPr lang="en-US" dirty="0"/>
+            </a:br>
+            <a:r>
+              <a:rPr lang="en-US" dirty="0" err="1"/>
+              <a:t>ctx.beginPath</a:t>
+            </a:r>
+            <a:r>
+              <a:rPr lang="en-US" dirty="0"/>
+              <a:t>();</a:t>
+            </a:r>
+            <a:br>
+              <a:rPr lang="en-US" dirty="0"/>
+            </a:br>
+            <a:r>
+              <a:rPr lang="en-US" dirty="0"/>
+              <a:t>ctx.arc(95,50,40,0,2*</a:t>
+            </a:r>
+            <a:r>
+              <a:rPr lang="en-US" dirty="0" err="1"/>
+              <a:t>Math.PI</a:t>
+            </a:r>
+            <a:r>
+              <a:rPr lang="en-US" dirty="0"/>
+              <a:t>);</a:t>
+            </a:r>
+            <a:br>
+              <a:rPr lang="en-US" dirty="0"/>
+            </a:br>
+            <a:r>
+              <a:rPr lang="en-US" dirty="0" err="1"/>
+              <a:t>ctx.stroke</a:t>
+            </a:r>
+            <a:r>
+              <a:rPr lang="en-US" dirty="0" smtClean="0"/>
+              <a:t>();</a:t>
+            </a:r>
+          </a:p>
+          <a:p>
+            <a:pPr marL="0" indent="0">
+              <a:buNone/>
+            </a:pPr>
+            <a:r>
+              <a:rPr lang="en-US" dirty="0" smtClean="0"/>
+              <a:t>&lt;/script&gt;</a:t>
+            </a:r>
+            <a:endParaRPr lang="fr-BE" dirty="0"/>
+          </a:p>
+        </p:txBody>
+      </p:sp>
+      <p:pic>
+        <p:nvPicPr>
+          <p:cNvPr id="4" name="Picture 3"/>
+          <p:cNvPicPr>
+            <a:picLocks noChangeAspect="1"/>
+          </p:cNvPicPr>
+          <p:nvPr/>
+        </p:nvPicPr>
+        <p:blipFill>
+          <a:blip r:embed="rId2">
+            <a:extLst>
+              <a:ext uri="{28A0092B-C50C-407E-A947-70E740481C1C}">
+                <a14:useLocalDpi xmlns:a14="http://schemas.microsoft.com/office/drawing/2010/main" val="0"/>
+              </a:ext>
+            </a:extLst>
+          </a:blip>
+          <a:stretch>
+            <a:fillRect/>
+          </a:stretch>
+        </p:blipFill>
+        <p:spPr>
+          <a:xfrm>
+            <a:off x="7521920" y="3817801"/>
+            <a:ext cx="1971950" cy="971686"/>
+          </a:xfrm>
+          <a:prstGeom prst="rect">
+            <a:avLst/>
+          </a:prstGeom>
+        </p:spPr>
+      </p:pic>
+    </p:spTree>
+    <p:extLst>
+      <p:ext uri="{BB962C8B-B14F-4D97-AF65-F5344CB8AC3E}">
+        <p14:creationId xmlns:p14="http://schemas.microsoft.com/office/powerpoint/2010/main" val="3578545618"/>
+      </p:ext>
+    </p:extLst>
+  </p:cSld>
+  <p:clrMapOvr>
+    <a:masterClrMapping/>
+  </p:clrMapOvr>
+</p:sld>
+</file>
+
+<file path=ppt/slides/slide5.xml><?xml version="1.0" encoding="utf-8"?>
+<p:sld xmlns:a="http://schemas.openxmlformats.org/drawingml/2006/main" xmlns:r="http://schemas.openxmlformats.org/officeDocument/2006/relationships" xmlns:p="http://schemas.openxmlformats.org/presentationml/2006/main">
+  <p:cSld>
+    <p:spTree>
+      <p:nvGrpSpPr>
+        <p:cNvPr id="1" name=""/>
+        <p:cNvGrpSpPr/>
+        <p:nvPr/>
+      </p:nvGrpSpPr>
+      <p:grpSpPr>
+        <a:xfrm>
+          <a:off x="0" y="0"/>
+          <a:ext cx="0" cy="0"/>
+          <a:chOff x="0" y="0"/>
+          <a:chExt cx="0" cy="0"/>
+        </a:xfrm>
+      </p:grpSpPr>
+      <p:sp>
+        <p:nvSpPr>
+          <p:cNvPr id="3" name="Content Placeholder 2"/>
+          <p:cNvSpPr>
+            <a:spLocks noGrp="1"/>
+          </p:cNvSpPr>
+          <p:nvPr>
+            <p:ph idx="1"/>
+          </p:nvPr>
+        </p:nvSpPr>
+        <p:spPr>
+          <a:xfrm>
+            <a:off x="0" y="0"/>
+            <a:ext cx="12192000" cy="6858000"/>
+          </a:xfrm>
+        </p:spPr>
+        <p:txBody>
+          <a:bodyPr/>
+          <a:lstStyle/>
+          <a:p>
+            <a:pPr marL="0" indent="0">
+              <a:buNone/>
+            </a:pPr>
+            <a:r>
+              <a:rPr lang="fr-BE" dirty="0" smtClean="0"/>
+              <a:t>Ex 3 :</a:t>
+            </a:r>
+          </a:p>
+          <a:p>
+            <a:pPr marL="0" indent="0">
+              <a:buNone/>
+            </a:pPr>
+            <a:endParaRPr lang="fr-BE" dirty="0"/>
+          </a:p>
+          <a:p>
+            <a:pPr marL="0" indent="0">
+              <a:buNone/>
+            </a:pPr>
+            <a:r>
+              <a:rPr lang="fr-BE" u="sng" dirty="0" smtClean="0"/>
+              <a:t>Création d’un ligne</a:t>
+            </a:r>
+          </a:p>
+          <a:p>
+            <a:pPr marL="0" indent="0">
+              <a:buNone/>
+            </a:pPr>
+            <a:r>
+              <a:rPr lang="en-US" dirty="0"/>
+              <a:t>&lt;canvas id="</a:t>
+            </a:r>
+            <a:r>
+              <a:rPr lang="en-US" dirty="0" err="1"/>
+              <a:t>myCanvas</a:t>
+            </a:r>
+            <a:r>
+              <a:rPr lang="en-US" dirty="0"/>
+              <a:t>" width="200" height="100" style="border:1px solid #000000;"&gt;</a:t>
+            </a:r>
+            <a:br>
+              <a:rPr lang="en-US" dirty="0"/>
+            </a:br>
+            <a:r>
+              <a:rPr lang="en-US" dirty="0"/>
+              <a:t>&lt;/canvas&gt; </a:t>
+            </a:r>
+          </a:p>
+          <a:p>
+            <a:pPr marL="0" indent="0">
+              <a:buNone/>
+            </a:pPr>
+            <a:r>
+              <a:rPr lang="fr-BE" dirty="0" smtClean="0"/>
+              <a:t>&lt;script&gt;</a:t>
+            </a:r>
+            <a:endParaRPr lang="fr-BE" dirty="0"/>
+          </a:p>
+          <a:p>
+            <a:pPr marL="457200" lvl="1" indent="0">
+              <a:buNone/>
+            </a:pPr>
+            <a:r>
+              <a:rPr lang="en-US" dirty="0" err="1"/>
+              <a:t>var</a:t>
+            </a:r>
+            <a:r>
+              <a:rPr lang="en-US" dirty="0"/>
+              <a:t> c = </a:t>
+            </a:r>
+            <a:r>
+              <a:rPr lang="en-US" dirty="0" err="1"/>
+              <a:t>document.getElementById</a:t>
+            </a:r>
+            <a:r>
+              <a:rPr lang="en-US" dirty="0"/>
+              <a:t>("</a:t>
+            </a:r>
+            <a:r>
+              <a:rPr lang="en-US" dirty="0" err="1"/>
+              <a:t>myCanvas</a:t>
+            </a:r>
+            <a:r>
+              <a:rPr lang="en-US" dirty="0"/>
+              <a:t>");</a:t>
+            </a:r>
+            <a:br>
+              <a:rPr lang="en-US" dirty="0"/>
+            </a:br>
+            <a:r>
+              <a:rPr lang="en-US" dirty="0" err="1"/>
+              <a:t>var</a:t>
+            </a:r>
+            <a:r>
+              <a:rPr lang="en-US" dirty="0"/>
+              <a:t> </a:t>
+            </a:r>
+            <a:r>
+              <a:rPr lang="en-US" dirty="0" err="1"/>
+              <a:t>ctx</a:t>
+            </a:r>
+            <a:r>
+              <a:rPr lang="en-US" dirty="0"/>
+              <a:t> = </a:t>
+            </a:r>
+            <a:r>
+              <a:rPr lang="en-US" dirty="0" err="1"/>
+              <a:t>c.getContext</a:t>
+            </a:r>
+            <a:r>
+              <a:rPr lang="en-US" dirty="0"/>
+              <a:t>("2d");</a:t>
+            </a:r>
+            <a:br>
+              <a:rPr lang="en-US" dirty="0"/>
+            </a:br>
+            <a:r>
+              <a:rPr lang="en-US" dirty="0" err="1"/>
+              <a:t>ctx.moveTo</a:t>
+            </a:r>
+            <a:r>
+              <a:rPr lang="en-US" dirty="0"/>
+              <a:t>(0,0</a:t>
+            </a:r>
+            <a:r>
+              <a:rPr lang="en-US" dirty="0" smtClean="0"/>
+              <a:t>); </a:t>
+            </a:r>
+            <a:r>
+              <a:rPr lang="en-US" dirty="0" smtClean="0">
+                <a:solidFill>
+                  <a:schemeClr val="accent6"/>
+                </a:solidFill>
+              </a:rPr>
+              <a:t>// </a:t>
+            </a:r>
+            <a:r>
+              <a:rPr lang="en-US" dirty="0" err="1" smtClean="0">
+                <a:solidFill>
+                  <a:schemeClr val="accent6"/>
+                </a:solidFill>
+              </a:rPr>
+              <a:t>x,y</a:t>
+            </a:r>
+            <a:r>
+              <a:rPr lang="en-US" dirty="0"/>
+              <a:t/>
+            </a:r>
+            <a:br>
+              <a:rPr lang="en-US" dirty="0"/>
+            </a:br>
+            <a:r>
+              <a:rPr lang="en-US" dirty="0" err="1"/>
+              <a:t>ctx.lineTo</a:t>
+            </a:r>
+            <a:r>
+              <a:rPr lang="en-US" dirty="0"/>
+              <a:t>(200,100</a:t>
+            </a:r>
+            <a:r>
+              <a:rPr lang="en-US" dirty="0" smtClean="0"/>
+              <a:t>);</a:t>
+            </a:r>
+            <a:r>
+              <a:rPr lang="en-US" dirty="0">
+                <a:solidFill>
+                  <a:schemeClr val="accent6"/>
+                </a:solidFill>
+              </a:rPr>
+              <a:t> // </a:t>
+            </a:r>
+            <a:r>
+              <a:rPr lang="en-US" dirty="0" err="1">
+                <a:solidFill>
+                  <a:schemeClr val="accent6"/>
+                </a:solidFill>
+              </a:rPr>
+              <a:t>x,y</a:t>
+            </a:r>
+            <a:r>
+              <a:rPr lang="en-US" dirty="0"/>
+              <a:t/>
+            </a:r>
+            <a:br>
+              <a:rPr lang="en-US" dirty="0"/>
+            </a:br>
+            <a:r>
+              <a:rPr lang="en-US" dirty="0" err="1"/>
+              <a:t>ctx.stroke</a:t>
+            </a:r>
+            <a:r>
+              <a:rPr lang="en-US" dirty="0" smtClean="0"/>
+              <a:t>(); </a:t>
+            </a:r>
+            <a:r>
+              <a:rPr lang="en-US" dirty="0" smtClean="0">
+                <a:solidFill>
+                  <a:schemeClr val="accent6"/>
+                </a:solidFill>
+              </a:rPr>
+              <a:t>// </a:t>
+            </a:r>
+            <a:r>
+              <a:rPr lang="en-US" dirty="0" err="1" smtClean="0">
+                <a:solidFill>
+                  <a:schemeClr val="accent6"/>
+                </a:solidFill>
+              </a:rPr>
+              <a:t>dessigne</a:t>
+            </a:r>
+            <a:endParaRPr lang="en-US" dirty="0" smtClean="0">
+              <a:solidFill>
+                <a:schemeClr val="accent6"/>
+              </a:solidFill>
+            </a:endParaRPr>
+          </a:p>
+          <a:p>
+            <a:pPr marL="0" indent="0">
+              <a:buNone/>
+            </a:pPr>
+            <a:r>
+              <a:rPr lang="en-US" dirty="0" smtClean="0"/>
+              <a:t>&lt;/script&gt;</a:t>
+            </a:r>
+            <a:endParaRPr lang="fr-BE" dirty="0"/>
+          </a:p>
+        </p:txBody>
+      </p:sp>
+      <p:pic>
+        <p:nvPicPr>
+          <p:cNvPr id="2" name="Picture 1"/>
+          <p:cNvPicPr>
+            <a:picLocks noChangeAspect="1"/>
+          </p:cNvPicPr>
+          <p:nvPr/>
+        </p:nvPicPr>
+        <p:blipFill>
+          <a:blip r:embed="rId2">
+            <a:extLst>
+              <a:ext uri="{28A0092B-C50C-407E-A947-70E740481C1C}">
+                <a14:useLocalDpi xmlns:a14="http://schemas.microsoft.com/office/drawing/2010/main" val="0"/>
+              </a:ext>
+            </a:extLst>
+          </a:blip>
+          <a:stretch>
+            <a:fillRect/>
+          </a:stretch>
+        </p:blipFill>
+        <p:spPr>
+          <a:xfrm>
+            <a:off x="7385673" y="3429000"/>
+            <a:ext cx="1952898" cy="981212"/>
+          </a:xfrm>
+          <a:prstGeom prst="rect">
+            <a:avLst/>
+          </a:prstGeom>
+        </p:spPr>
+      </p:pic>
+    </p:spTree>
+    <p:extLst>
+      <p:ext uri="{BB962C8B-B14F-4D97-AF65-F5344CB8AC3E}">
+        <p14:creationId xmlns:p14="http://schemas.microsoft.com/office/powerpoint/2010/main" val="3919355707"/>
+      </p:ext>
+    </p:extLst>
+  </p:cSld>
+  <p:clrMapOvr>
+    <a:masterClrMapping/>
+  </p:clrMapOvr>
+</p:sld>
+</file>
+
+<file path=ppt/slides/slide6.xml><?xml version="1.0" encoding="utf-8"?>
+<p:sld xmlns:a="http://schemas.openxmlformats.org/drawingml/2006/main" xmlns:r="http://schemas.openxmlformats.org/officeDocument/2006/relationships" xmlns:p="http://schemas.openxmlformats.org/presentationml/2006/main">
+  <p:cSld>
+    <p:spTree>
+      <p:nvGrpSpPr>
+        <p:cNvPr id="1" name=""/>
+        <p:cNvGrpSpPr/>
+        <p:nvPr/>
+      </p:nvGrpSpPr>
+      <p:grpSpPr>
+        <a:xfrm>
+          <a:off x="0" y="0"/>
+          <a:ext cx="0" cy="0"/>
+          <a:chOff x="0" y="0"/>
+          <a:chExt cx="0" cy="0"/>
+        </a:xfrm>
+      </p:grpSpPr>
+      <p:sp>
+        <p:nvSpPr>
+          <p:cNvPr id="3" name="Content Placeholder 2"/>
+          <p:cNvSpPr>
+            <a:spLocks noGrp="1"/>
+          </p:cNvSpPr>
+          <p:nvPr>
+            <p:ph idx="1"/>
+          </p:nvPr>
+        </p:nvSpPr>
+        <p:spPr>
+          <a:xfrm>
+            <a:off x="0" y="0"/>
+            <a:ext cx="12192000" cy="6858000"/>
+          </a:xfrm>
+        </p:spPr>
+        <p:txBody>
+          <a:bodyPr/>
+          <a:lstStyle/>
+          <a:p>
+            <a:pPr marL="0" indent="0">
+              <a:buNone/>
+            </a:pPr>
+            <a:r>
+              <a:rPr lang="fr-BE" dirty="0" smtClean="0"/>
+              <a:t>Ex 4 :</a:t>
+            </a:r>
+          </a:p>
+          <a:p>
+            <a:pPr marL="0" indent="0">
+              <a:buNone/>
+            </a:pPr>
+            <a:endParaRPr lang="fr-BE" dirty="0"/>
+          </a:p>
+          <a:p>
+            <a:pPr marL="0" indent="0">
+              <a:buNone/>
+            </a:pPr>
+            <a:r>
+              <a:rPr lang="fr-BE" u="sng" dirty="0" smtClean="0"/>
+              <a:t>Création d’un </a:t>
+            </a:r>
+            <a:r>
+              <a:rPr lang="fr-BE" u="sng" dirty="0" err="1" smtClean="0"/>
+              <a:t>text</a:t>
+            </a:r>
+            <a:endParaRPr lang="fr-BE" u="sng" dirty="0" smtClean="0"/>
+          </a:p>
+          <a:p>
+            <a:pPr marL="0" indent="0">
+              <a:buNone/>
+            </a:pPr>
+            <a:r>
+              <a:rPr lang="en-US" dirty="0" smtClean="0"/>
+              <a:t>&lt;canvas id="</a:t>
+            </a:r>
+            <a:r>
+              <a:rPr lang="en-US" dirty="0" err="1" smtClean="0"/>
+              <a:t>myCanvas</a:t>
+            </a:r>
+            <a:r>
+              <a:rPr lang="en-US" dirty="0" smtClean="0"/>
+              <a:t>" width="200" height="100" style="border:1px solid #000000;"&gt;</a:t>
+            </a:r>
+            <a:br>
+              <a:rPr lang="en-US" dirty="0" smtClean="0"/>
+            </a:br>
+            <a:r>
+              <a:rPr lang="en-US" dirty="0" smtClean="0"/>
+              <a:t>&lt;/canvas&gt; </a:t>
+            </a:r>
+          </a:p>
+          <a:p>
+            <a:pPr marL="0" indent="0">
+              <a:buNone/>
+            </a:pPr>
+            <a:r>
+              <a:rPr lang="fr-BE" dirty="0" smtClean="0"/>
+              <a:t>&lt;script&gt;</a:t>
+            </a:r>
+          </a:p>
+          <a:p>
+            <a:pPr marL="457200" lvl="1" indent="0">
+              <a:buNone/>
+            </a:pPr>
+            <a:r>
+              <a:rPr lang="en-US" dirty="0" err="1"/>
+              <a:t>var</a:t>
+            </a:r>
+            <a:r>
+              <a:rPr lang="en-US" dirty="0"/>
+              <a:t> c = </a:t>
+            </a:r>
+            <a:r>
+              <a:rPr lang="en-US" dirty="0" err="1"/>
+              <a:t>document.getElementById</a:t>
+            </a:r>
+            <a:r>
+              <a:rPr lang="en-US" dirty="0"/>
+              <a:t>("</a:t>
+            </a:r>
+            <a:r>
+              <a:rPr lang="en-US" dirty="0" err="1"/>
+              <a:t>myCanvas</a:t>
+            </a:r>
+            <a:r>
+              <a:rPr lang="en-US" dirty="0"/>
+              <a:t>");</a:t>
+            </a:r>
+          </a:p>
+          <a:p>
+            <a:pPr marL="457200" lvl="1" indent="0">
+              <a:buNone/>
+            </a:pPr>
+            <a:r>
+              <a:rPr lang="en-US" dirty="0" err="1"/>
+              <a:t>var</a:t>
+            </a:r>
+            <a:r>
+              <a:rPr lang="en-US" dirty="0"/>
+              <a:t> </a:t>
+            </a:r>
+            <a:r>
+              <a:rPr lang="en-US" dirty="0" err="1"/>
+              <a:t>ctx</a:t>
+            </a:r>
+            <a:r>
+              <a:rPr lang="en-US" dirty="0"/>
+              <a:t> = </a:t>
+            </a:r>
+            <a:r>
+              <a:rPr lang="en-US" dirty="0" err="1"/>
+              <a:t>c.getContext</a:t>
+            </a:r>
+            <a:r>
+              <a:rPr lang="en-US" dirty="0"/>
+              <a:t>("2d");</a:t>
+            </a:r>
+          </a:p>
+          <a:p>
+            <a:pPr marL="457200" lvl="1" indent="0">
+              <a:buNone/>
+            </a:pPr>
+            <a:r>
+              <a:rPr lang="en-US" dirty="0" err="1"/>
+              <a:t>ctx.font</a:t>
+            </a:r>
+            <a:r>
+              <a:rPr lang="en-US" dirty="0"/>
+              <a:t> = "30px Arial";</a:t>
+            </a:r>
+          </a:p>
+          <a:p>
+            <a:pPr marL="457200" lvl="1" indent="0">
+              <a:buNone/>
+            </a:pPr>
+            <a:r>
+              <a:rPr lang="en-US" dirty="0" err="1"/>
+              <a:t>ctx.fillText</a:t>
+            </a:r>
+            <a:r>
+              <a:rPr lang="en-US" dirty="0"/>
+              <a:t>("Hello World",10,50);</a:t>
+            </a:r>
+            <a:endParaRPr lang="en-US" dirty="0" smtClean="0">
+              <a:solidFill>
+                <a:schemeClr val="accent6"/>
+              </a:solidFill>
+            </a:endParaRPr>
+          </a:p>
+          <a:p>
+            <a:pPr marL="0" indent="0">
+              <a:buNone/>
+            </a:pPr>
+            <a:r>
+              <a:rPr lang="en-US" dirty="0" smtClean="0"/>
+              <a:t>&lt;/script&gt;</a:t>
+            </a:r>
+            <a:endParaRPr lang="fr-BE" dirty="0"/>
+          </a:p>
+        </p:txBody>
+      </p:sp>
+      <p:pic>
+        <p:nvPicPr>
+          <p:cNvPr id="4" name="Picture 3"/>
+          <p:cNvPicPr>
+            <a:picLocks noChangeAspect="1"/>
+          </p:cNvPicPr>
+          <p:nvPr/>
+        </p:nvPicPr>
+        <p:blipFill>
+          <a:blip r:embed="rId2">
+            <a:extLst>
+              <a:ext uri="{28A0092B-C50C-407E-A947-70E740481C1C}">
+                <a14:useLocalDpi xmlns:a14="http://schemas.microsoft.com/office/drawing/2010/main" val="0"/>
+              </a:ext>
+            </a:extLst>
+          </a:blip>
+          <a:stretch>
+            <a:fillRect/>
+          </a:stretch>
+        </p:blipFill>
+        <p:spPr>
+          <a:xfrm>
+            <a:off x="7285456" y="3429000"/>
+            <a:ext cx="1914792" cy="1000265"/>
+          </a:xfrm>
+          <a:prstGeom prst="rect">
+            <a:avLst/>
+          </a:prstGeom>
+        </p:spPr>
+      </p:pic>
+    </p:spTree>
+    <p:extLst>
+      <p:ext uri="{BB962C8B-B14F-4D97-AF65-F5344CB8AC3E}">
+        <p14:creationId xmlns:p14="http://schemas.microsoft.com/office/powerpoint/2010/main" val="1923449546"/>
+      </p:ext>
+    </p:extLst>
+  </p:cSld>
+  <p:clrMapOvr>
+    <a:masterClrMapping/>
+  </p:clrMapOvr>
+</p:sld>
+</file>
+
+<file path=ppt/slides/slide7.xml><?xml version="1.0" encoding="utf-8"?>
+<p:sld xmlns:a="http://schemas.openxmlformats.org/drawingml/2006/main" xmlns:r="http://schemas.openxmlformats.org/officeDocument/2006/relationships" xmlns:p="http://schemas.openxmlformats.org/presentationml/2006/main">
+  <p:cSld>
+    <p:spTree>
+      <p:nvGrpSpPr>
+        <p:cNvPr id="1" name=""/>
+        <p:cNvGrpSpPr/>
+        <p:nvPr/>
+      </p:nvGrpSpPr>
+      <p:grpSpPr>
+        <a:xfrm>
+          <a:off x="0" y="0"/>
+          <a:ext cx="0" cy="0"/>
+          <a:chOff x="0" y="0"/>
+          <a:chExt cx="0" cy="0"/>
+        </a:xfrm>
+      </p:grpSpPr>
+      <p:sp>
+        <p:nvSpPr>
+          <p:cNvPr id="3" name="Content Placeholder 2"/>
+          <p:cNvSpPr>
+            <a:spLocks noGrp="1"/>
+          </p:cNvSpPr>
+          <p:nvPr>
+            <p:ph idx="1"/>
+          </p:nvPr>
+        </p:nvSpPr>
+        <p:spPr>
+          <a:xfrm>
+            <a:off x="0" y="0"/>
+            <a:ext cx="12192000" cy="6858000"/>
+          </a:xfrm>
+        </p:spPr>
+        <p:txBody>
+          <a:bodyPr>
+            <a:normAutofit/>
+          </a:bodyPr>
+          <a:lstStyle/>
+          <a:p>
+            <a:pPr marL="0" indent="0">
+              <a:buNone/>
+            </a:pPr>
+            <a:r>
+              <a:rPr lang="fr-BE" dirty="0" smtClean="0"/>
+              <a:t>Ex 5 :</a:t>
+            </a:r>
+          </a:p>
+          <a:p>
+            <a:pPr marL="0" indent="0">
+              <a:buNone/>
+            </a:pPr>
+            <a:endParaRPr lang="fr-BE" dirty="0"/>
+          </a:p>
+          <a:p>
+            <a:pPr marL="0" indent="0">
+              <a:buNone/>
+            </a:pPr>
+            <a:r>
+              <a:rPr lang="fr-BE" u="sng" dirty="0" smtClean="0"/>
+              <a:t>Création d’une image</a:t>
+            </a:r>
+          </a:p>
+          <a:p>
+            <a:pPr marL="0" indent="0">
+              <a:buNone/>
+            </a:pPr>
+            <a:r>
+              <a:rPr lang="en-US" dirty="0" smtClean="0"/>
+              <a:t>&lt;canvas id="</a:t>
+            </a:r>
+            <a:r>
+              <a:rPr lang="en-US" dirty="0" err="1" smtClean="0"/>
+              <a:t>myCanvas</a:t>
+            </a:r>
+            <a:r>
+              <a:rPr lang="en-US" dirty="0" smtClean="0"/>
+              <a:t>" width="200" height="100" style="border:1px solid #000000;"&gt;</a:t>
+            </a:r>
+            <a:br>
+              <a:rPr lang="en-US" dirty="0" smtClean="0"/>
+            </a:br>
+            <a:r>
+              <a:rPr lang="en-US" dirty="0" smtClean="0"/>
+              <a:t>&lt;/canvas&gt; </a:t>
+            </a:r>
+          </a:p>
+          <a:p>
+            <a:pPr marL="0" indent="0">
+              <a:buNone/>
+            </a:pPr>
+            <a:r>
+              <a:rPr lang="fr-BE" dirty="0" smtClean="0"/>
+              <a:t>&lt;script&gt;</a:t>
+            </a:r>
+          </a:p>
+          <a:p>
+            <a:pPr marL="457200" lvl="1" indent="0">
+              <a:buNone/>
+            </a:pPr>
+            <a:r>
+              <a:rPr lang="en-US" dirty="0"/>
+              <a:t> </a:t>
+            </a:r>
+            <a:r>
+              <a:rPr lang="en-US" dirty="0" err="1"/>
+              <a:t>var</a:t>
+            </a:r>
+            <a:r>
+              <a:rPr lang="en-US" dirty="0"/>
+              <a:t> c = </a:t>
+            </a:r>
+            <a:r>
+              <a:rPr lang="en-US" dirty="0" err="1"/>
+              <a:t>document.getElementById</a:t>
+            </a:r>
+            <a:r>
+              <a:rPr lang="en-US" dirty="0"/>
+              <a:t>("</a:t>
+            </a:r>
+            <a:r>
+              <a:rPr lang="en-US" dirty="0" err="1"/>
+              <a:t>myCanvas</a:t>
+            </a:r>
+            <a:r>
+              <a:rPr lang="en-US" dirty="0"/>
+              <a:t>");</a:t>
+            </a:r>
+          </a:p>
+          <a:p>
+            <a:pPr marL="457200" lvl="1" indent="0">
+              <a:buNone/>
+            </a:pPr>
+            <a:r>
+              <a:rPr lang="en-US" dirty="0"/>
+              <a:t>    </a:t>
+            </a:r>
+            <a:r>
+              <a:rPr lang="en-US" dirty="0" err="1"/>
+              <a:t>var</a:t>
+            </a:r>
+            <a:r>
+              <a:rPr lang="en-US" dirty="0"/>
+              <a:t> </a:t>
+            </a:r>
+            <a:r>
+              <a:rPr lang="en-US" dirty="0" err="1"/>
+              <a:t>ctx</a:t>
+            </a:r>
+            <a:r>
+              <a:rPr lang="en-US" dirty="0"/>
+              <a:t> = </a:t>
+            </a:r>
+            <a:r>
+              <a:rPr lang="en-US" dirty="0" err="1"/>
+              <a:t>c.getContext</a:t>
+            </a:r>
+            <a:r>
+              <a:rPr lang="en-US" dirty="0"/>
+              <a:t>("2d");</a:t>
+            </a:r>
+          </a:p>
+          <a:p>
+            <a:pPr marL="457200" lvl="1" indent="0">
+              <a:buNone/>
+            </a:pPr>
+            <a:r>
+              <a:rPr lang="en-US" dirty="0"/>
+              <a:t>    </a:t>
+            </a:r>
+            <a:r>
+              <a:rPr lang="en-US" dirty="0" err="1"/>
+              <a:t>var</a:t>
+            </a:r>
+            <a:r>
+              <a:rPr lang="en-US" dirty="0"/>
+              <a:t> </a:t>
+            </a:r>
+            <a:r>
+              <a:rPr lang="en-US" dirty="0" err="1"/>
+              <a:t>img</a:t>
+            </a:r>
+            <a:r>
+              <a:rPr lang="en-US" dirty="0"/>
+              <a:t> = </a:t>
+            </a:r>
+            <a:r>
+              <a:rPr lang="en-US" dirty="0" smtClean="0"/>
+              <a:t>new Image();</a:t>
+            </a:r>
+          </a:p>
+          <a:p>
+            <a:pPr marL="457200" lvl="1" indent="0">
+              <a:buNone/>
+            </a:pPr>
+            <a:r>
+              <a:rPr lang="en-US" dirty="0"/>
+              <a:t> </a:t>
+            </a:r>
+            <a:r>
+              <a:rPr lang="en-US" dirty="0" smtClean="0"/>
+              <a:t>   </a:t>
+            </a:r>
+            <a:r>
+              <a:rPr lang="en-US" dirty="0" err="1" smtClean="0"/>
+              <a:t>Img.src</a:t>
+            </a:r>
+            <a:r>
+              <a:rPr lang="en-US" dirty="0" smtClean="0"/>
+              <a:t> = “scream.png”;</a:t>
+            </a:r>
+          </a:p>
+          <a:p>
+            <a:pPr marL="457200" lvl="1" indent="0">
+              <a:buNone/>
+            </a:pPr>
+            <a:r>
+              <a:rPr lang="en-US" dirty="0"/>
+              <a:t> </a:t>
+            </a:r>
+            <a:r>
+              <a:rPr lang="en-US" dirty="0" smtClean="0"/>
+              <a:t>   </a:t>
+            </a:r>
+            <a:r>
+              <a:rPr lang="en-US" dirty="0" err="1" smtClean="0"/>
+              <a:t>Img.onload</a:t>
+            </a:r>
+            <a:r>
+              <a:rPr lang="en-US" dirty="0" smtClean="0"/>
+              <a:t>= function(){</a:t>
+            </a:r>
+          </a:p>
+          <a:p>
+            <a:pPr marL="457200" lvl="1" indent="0">
+              <a:buNone/>
+            </a:pPr>
+            <a:r>
+              <a:rPr lang="en-US" dirty="0" smtClean="0"/>
+              <a:t>	   </a:t>
+            </a:r>
+            <a:r>
+              <a:rPr lang="en-US" dirty="0" err="1" smtClean="0"/>
+              <a:t>ctx.drawImage</a:t>
+            </a:r>
+            <a:r>
+              <a:rPr lang="en-US" dirty="0" smtClean="0"/>
+              <a:t>(img,10,10</a:t>
+            </a:r>
+            <a:r>
+              <a:rPr lang="en-US" dirty="0"/>
+              <a:t>);</a:t>
+            </a:r>
+            <a:endParaRPr lang="en-US" dirty="0" smtClean="0"/>
+          </a:p>
+          <a:p>
+            <a:pPr marL="457200" lvl="1" indent="0">
+              <a:buNone/>
+            </a:pPr>
+            <a:r>
+              <a:rPr lang="en-US" dirty="0"/>
+              <a:t> </a:t>
+            </a:r>
+            <a:r>
+              <a:rPr lang="en-US" dirty="0" smtClean="0"/>
+              <a:t>   };</a:t>
+            </a:r>
+            <a:endParaRPr lang="en-US" dirty="0" smtClean="0">
+              <a:solidFill>
+                <a:schemeClr val="accent6"/>
+              </a:solidFill>
+            </a:endParaRPr>
+          </a:p>
+          <a:p>
+            <a:pPr marL="0" indent="0">
+              <a:buNone/>
+            </a:pPr>
+            <a:r>
+              <a:rPr lang="en-US" dirty="0" smtClean="0"/>
+              <a:t>&lt;/script&gt;</a:t>
+            </a:r>
+            <a:endParaRPr lang="fr-BE" dirty="0"/>
+          </a:p>
+        </p:txBody>
+      </p:sp>
+      <p:pic>
+        <p:nvPicPr>
+          <p:cNvPr id="2" name="Picture 1"/>
+          <p:cNvPicPr>
+            <a:picLocks noChangeAspect="1"/>
+          </p:cNvPicPr>
+          <p:nvPr/>
+        </p:nvPicPr>
+        <p:blipFill>
+          <a:blip r:embed="rId2">
+            <a:extLst>
+              <a:ext uri="{28A0092B-C50C-407E-A947-70E740481C1C}">
+                <a14:useLocalDpi xmlns:a14="http://schemas.microsoft.com/office/drawing/2010/main" val="0"/>
+              </a:ext>
+            </a:extLst>
+          </a:blip>
+          <a:stretch>
+            <a:fillRect/>
+          </a:stretch>
+        </p:blipFill>
+        <p:spPr>
+          <a:xfrm>
+            <a:off x="7652134" y="2727882"/>
+            <a:ext cx="2400635" cy="2886478"/>
+          </a:xfrm>
+          <a:prstGeom prst="rect">
+            <a:avLst/>
+          </a:prstGeom>
+        </p:spPr>
+      </p:pic>
+    </p:spTree>
+    <p:extLst>
+      <p:ext uri="{BB962C8B-B14F-4D97-AF65-F5344CB8AC3E}">
+        <p14:creationId xmlns:p14="http://schemas.microsoft.com/office/powerpoint/2010/main" val="3482447805"/>
+      </p:ext>
+    </p:extLst>
+  </p:cSld>
+  <p:clrMapOvr>
+    <a:masterClrMapping/>
+  </p:clrMapOvr>
+</p:sld>
+</file>
+
+<file path=ppt/slides/slide8.xml><?xml version="1.0" encoding="utf-8"?>
+<p:sld xmlns:a="http://schemas.openxmlformats.org/drawingml/2006/main" xmlns:r="http://schemas.openxmlformats.org/officeDocument/2006/relationships" xmlns:p="http://schemas.openxmlformats.org/presentationml/2006/main">
+  <p:cSld>
+    <p:spTree>
+      <p:nvGrpSpPr>
+        <p:cNvPr id="1" name=""/>
+        <p:cNvGrpSpPr/>
+        <p:nvPr/>
+      </p:nvGrpSpPr>
+      <p:grpSpPr>
+        <a:xfrm>
+          <a:off x="0" y="0"/>
+          <a:ext cx="0" cy="0"/>
+          <a:chOff x="0" y="0"/>
+          <a:chExt cx="0" cy="0"/>
+        </a:xfrm>
+      </p:grpSpPr>
+      <p:sp>
+        <p:nvSpPr>
+          <p:cNvPr id="2" name="Title 1"/>
+          <p:cNvSpPr>
+            <a:spLocks noGrp="1"/>
+          </p:cNvSpPr>
+          <p:nvPr>
+            <p:ph type="title"/>
+          </p:nvPr>
+        </p:nvSpPr>
+        <p:spPr/>
+        <p:txBody>
+          <a:bodyPr/>
+          <a:lstStyle/>
+          <a:p>
+            <a:r>
+              <a:rPr lang="en-US" u="sng" dirty="0" smtClean="0"/>
+              <a:t>Creation d’un </a:t>
+            </a:r>
+            <a:r>
+              <a:rPr lang="en-US" u="sng" dirty="0" err="1" smtClean="0"/>
+              <a:t>jeux</a:t>
+            </a:r>
+            <a:r>
+              <a:rPr lang="en-US" u="sng" dirty="0" smtClean="0"/>
+              <a:t> en Canvas</a:t>
+            </a:r>
+            <a:endParaRPr lang="fr-BE" u="sng" dirty="0"/>
+          </a:p>
+        </p:txBody>
+      </p:sp>
+      <p:sp>
+        <p:nvSpPr>
+          <p:cNvPr id="3" name="Content Placeholder 2"/>
+          <p:cNvSpPr>
+            <a:spLocks noGrp="1"/>
+          </p:cNvSpPr>
+          <p:nvPr>
+            <p:ph idx="1"/>
+          </p:nvPr>
+        </p:nvSpPr>
+        <p:spPr>
+          <a:xfrm>
+            <a:off x="397565" y="1431236"/>
+            <a:ext cx="11794435" cy="5426764"/>
+          </a:xfrm>
+        </p:spPr>
+        <p:txBody>
+          <a:bodyPr>
+            <a:normAutofit lnSpcReduction="10000"/>
+          </a:bodyPr>
+          <a:lstStyle/>
+          <a:p>
+            <a:r>
+              <a:rPr lang="fr-FR" dirty="0" smtClean="0"/>
+              <a:t>L’</a:t>
+            </a:r>
+            <a:r>
+              <a:rPr lang="fr-FR" dirty="0" err="1" smtClean="0"/>
+              <a:t>element</a:t>
+            </a:r>
+            <a:r>
+              <a:rPr lang="en-US" dirty="0" smtClean="0"/>
+              <a:t> canvas </a:t>
+            </a:r>
+            <a:r>
+              <a:rPr lang="en-US" dirty="0" err="1" smtClean="0"/>
+              <a:t>est</a:t>
+            </a:r>
+            <a:r>
+              <a:rPr lang="en-US" dirty="0" smtClean="0"/>
+              <a:t> utilizer pour </a:t>
+            </a:r>
+            <a:r>
+              <a:rPr lang="fr-FR" dirty="0" smtClean="0"/>
+              <a:t>créer</a:t>
+            </a:r>
+            <a:r>
+              <a:rPr lang="en-US" dirty="0" smtClean="0"/>
+              <a:t> des </a:t>
+            </a:r>
+            <a:r>
+              <a:rPr lang="en-US" dirty="0" err="1" smtClean="0"/>
+              <a:t>jeux</a:t>
+            </a:r>
+            <a:r>
+              <a:rPr lang="en-US" dirty="0" smtClean="0"/>
+              <a:t> </a:t>
+            </a:r>
+            <a:r>
+              <a:rPr lang="en-US" dirty="0" err="1" smtClean="0"/>
+              <a:t>sur</a:t>
+            </a:r>
+            <a:r>
+              <a:rPr lang="en-US" dirty="0" smtClean="0"/>
+              <a:t> web </a:t>
+            </a:r>
+          </a:p>
+          <a:p>
+            <a:r>
+              <a:rPr lang="en-US" dirty="0" smtClean="0"/>
+              <a:t>Comment </a:t>
+            </a:r>
+            <a:r>
+              <a:rPr lang="en-US" dirty="0" err="1" smtClean="0"/>
+              <a:t>créer</a:t>
+            </a:r>
+            <a:r>
+              <a:rPr lang="en-US" dirty="0" smtClean="0"/>
+              <a:t> un </a:t>
+            </a:r>
+            <a:r>
+              <a:rPr lang="en-US" dirty="0" err="1" smtClean="0"/>
+              <a:t>jeu</a:t>
+            </a:r>
+            <a:r>
+              <a:rPr lang="en-US" dirty="0" smtClean="0"/>
+              <a:t> ?</a:t>
+            </a:r>
+          </a:p>
+          <a:p>
+            <a:pPr lvl="1"/>
+            <a:r>
+              <a:rPr lang="en-US" dirty="0" err="1" smtClean="0"/>
+              <a:t>Avoir</a:t>
+            </a:r>
+            <a:r>
+              <a:rPr lang="en-US" dirty="0" smtClean="0"/>
+              <a:t> </a:t>
+            </a:r>
+            <a:r>
+              <a:rPr lang="en-US" dirty="0" err="1" smtClean="0"/>
+              <a:t>une</a:t>
+            </a:r>
+            <a:r>
+              <a:rPr lang="en-US" dirty="0" smtClean="0"/>
+              <a:t> idée </a:t>
+            </a:r>
+          </a:p>
+          <a:p>
+            <a:pPr lvl="1"/>
+            <a:r>
+              <a:rPr lang="en-US" dirty="0" err="1" smtClean="0"/>
+              <a:t>Avoir</a:t>
+            </a:r>
+            <a:r>
+              <a:rPr lang="en-US" dirty="0" smtClean="0"/>
+              <a:t> 2 function </a:t>
+            </a:r>
+            <a:r>
+              <a:rPr lang="en-US" dirty="0" err="1" smtClean="0"/>
+              <a:t>dans</a:t>
+            </a:r>
+            <a:r>
+              <a:rPr lang="en-US" dirty="0" smtClean="0"/>
+              <a:t> </a:t>
+            </a:r>
+            <a:r>
+              <a:rPr lang="en-US" dirty="0" err="1" smtClean="0"/>
+              <a:t>javascript</a:t>
+            </a:r>
+            <a:r>
+              <a:rPr lang="en-US" dirty="0" smtClean="0"/>
+              <a:t> </a:t>
+            </a:r>
+          </a:p>
+          <a:p>
+            <a:pPr lvl="2"/>
+            <a:r>
+              <a:rPr lang="en-US" dirty="0" smtClean="0"/>
+              <a:t>Draw();</a:t>
+            </a:r>
+          </a:p>
+          <a:p>
+            <a:pPr lvl="2"/>
+            <a:r>
+              <a:rPr lang="en-US" dirty="0" smtClean="0"/>
+              <a:t>Update();</a:t>
+            </a:r>
+          </a:p>
+          <a:p>
+            <a:pPr marL="914400" lvl="2" indent="0">
+              <a:buNone/>
+            </a:pPr>
+            <a:endParaRPr lang="en-US" dirty="0" smtClean="0"/>
+          </a:p>
+          <a:p>
+            <a:pPr marL="0" indent="0">
+              <a:buNone/>
+            </a:pPr>
+            <a:r>
+              <a:rPr lang="fr-BE" u="sng" dirty="0" err="1" smtClean="0"/>
+              <a:t>Draw</a:t>
+            </a:r>
+            <a:r>
+              <a:rPr lang="fr-BE" u="sng" dirty="0" smtClean="0"/>
+              <a:t>:</a:t>
+            </a:r>
+          </a:p>
+          <a:p>
+            <a:pPr marL="0" indent="0">
+              <a:buNone/>
+            </a:pPr>
+            <a:r>
+              <a:rPr lang="fr-BE" dirty="0" smtClean="0"/>
+              <a:t>C’est la fonction qui est responsable de designer le scène pour chaque itérations du update </a:t>
+            </a:r>
+          </a:p>
+          <a:p>
+            <a:pPr marL="0" indent="0">
+              <a:buNone/>
+            </a:pPr>
+            <a:r>
+              <a:rPr lang="fr-BE" u="sng" dirty="0" smtClean="0"/>
+              <a:t>Update:</a:t>
+            </a:r>
+          </a:p>
+          <a:p>
+            <a:pPr marL="0" indent="0">
+              <a:buNone/>
+            </a:pPr>
+            <a:r>
+              <a:rPr lang="fr-BE" dirty="0" smtClean="0"/>
+              <a:t>C’est la fonction qui est responsable de maitre a jour les modifications faites par l’</a:t>
+            </a:r>
+            <a:r>
+              <a:rPr lang="fr-BE" dirty="0" err="1" smtClean="0"/>
+              <a:t>encient</a:t>
+            </a:r>
+            <a:r>
+              <a:rPr lang="fr-BE" dirty="0" smtClean="0"/>
+              <a:t> itération </a:t>
+            </a:r>
+          </a:p>
+          <a:p>
+            <a:pPr marL="0" indent="0">
+              <a:buNone/>
+            </a:pPr>
+            <a:endParaRPr lang="fr-BE" dirty="0"/>
+          </a:p>
+        </p:txBody>
+      </p:sp>
+    </p:spTree>
+    <p:extLst>
+      <p:ext uri="{BB962C8B-B14F-4D97-AF65-F5344CB8AC3E}">
+        <p14:creationId xmlns:p14="http://schemas.microsoft.com/office/powerpoint/2010/main" val="2936546832"/>
+      </p:ext>
+    </p:extLst>
+  </p:cSld>
+  <p:clrMapOvr>
+    <a:masterClrMapping/>
+  </p:clrMapOvr>
+</p:sld>
+</file>
+
+<file path=ppt/slides/slide9.xml><?xml version="1.0" encoding="utf-8"?>
+<p:sld xmlns:a="http://schemas.openxmlformats.org/drawingml/2006/main" xmlns:r="http://schemas.openxmlformats.org/officeDocument/2006/relationships" xmlns:p="http://schemas.openxmlformats.org/presentationml/2006/main">
+  <p:cSld>
+    <p:spTree>
+      <p:nvGrpSpPr>
+        <p:cNvPr id="1" name=""/>
+        <p:cNvGrpSpPr/>
+        <p:nvPr/>
+      </p:nvGrpSpPr>
+      <p:grpSpPr>
+        <a:xfrm>
+          <a:off x="0" y="0"/>
+          <a:ext cx="0" cy="0"/>
+          <a:chOff x="0" y="0"/>
+          <a:chExt cx="0" cy="0"/>
+        </a:xfrm>
+      </p:grpSpPr>
+    </p:spTree>
+    <p:extLst>
+      <p:ext uri="{BB962C8B-B14F-4D97-AF65-F5344CB8AC3E}">
+        <p14:creationId xmlns:p14="http://schemas.microsoft.com/office/powerpoint/2010/main" val="1962982988"/>
       </p:ext>
     </p:extLst>
   </p:cSld>

--- a/CanvasGame/Un jeu en canvas.pptx
+++ b/CanvasGame/Un jeu en canvas.pptx
@@ -13,7 +13,8 @@
     <p:sldId id="261" r:id="rId7"/>
     <p:sldId id="262" r:id="rId8"/>
     <p:sldId id="264" r:id="rId9"/>
-    <p:sldId id="263" r:id="rId10"/>
+    <p:sldId id="265" r:id="rId10"/>
+    <p:sldId id="266" r:id="rId11"/>
   </p:sldIdLst>
   <p:sldSz cx="12192000" cy="6858000"/>
   <p:notesSz cx="6858000" cy="9144000"/>
@@ -251,7 +252,7 @@
           <a:p>
             <a:fld id="{6FEA4DE1-29A1-49DE-9A78-61F90F881913}" type="datetimeFigureOut">
               <a:rPr lang="fr-BE" smtClean="0"/>
-              <a:t>09-01-16</a:t>
+              <a:t>10-01-16</a:t>
             </a:fld>
             <a:endParaRPr lang="fr-BE"/>
           </a:p>
@@ -421,7 +422,7 @@
           <a:p>
             <a:fld id="{6FEA4DE1-29A1-49DE-9A78-61F90F881913}" type="datetimeFigureOut">
               <a:rPr lang="fr-BE" smtClean="0"/>
-              <a:t>09-01-16</a:t>
+              <a:t>10-01-16</a:t>
             </a:fld>
             <a:endParaRPr lang="fr-BE"/>
           </a:p>
@@ -601,7 +602,7 @@
           <a:p>
             <a:fld id="{6FEA4DE1-29A1-49DE-9A78-61F90F881913}" type="datetimeFigureOut">
               <a:rPr lang="fr-BE" smtClean="0"/>
-              <a:t>09-01-16</a:t>
+              <a:t>10-01-16</a:t>
             </a:fld>
             <a:endParaRPr lang="fr-BE"/>
           </a:p>
@@ -771,7 +772,7 @@
           <a:p>
             <a:fld id="{6FEA4DE1-29A1-49DE-9A78-61F90F881913}" type="datetimeFigureOut">
               <a:rPr lang="fr-BE" smtClean="0"/>
-              <a:t>09-01-16</a:t>
+              <a:t>10-01-16</a:t>
             </a:fld>
             <a:endParaRPr lang="fr-BE"/>
           </a:p>
@@ -1017,7 +1018,7 @@
           <a:p>
             <a:fld id="{6FEA4DE1-29A1-49DE-9A78-61F90F881913}" type="datetimeFigureOut">
               <a:rPr lang="fr-BE" smtClean="0"/>
-              <a:t>09-01-16</a:t>
+              <a:t>10-01-16</a:t>
             </a:fld>
             <a:endParaRPr lang="fr-BE"/>
           </a:p>
@@ -1249,7 +1250,7 @@
           <a:p>
             <a:fld id="{6FEA4DE1-29A1-49DE-9A78-61F90F881913}" type="datetimeFigureOut">
               <a:rPr lang="fr-BE" smtClean="0"/>
-              <a:t>09-01-16</a:t>
+              <a:t>10-01-16</a:t>
             </a:fld>
             <a:endParaRPr lang="fr-BE"/>
           </a:p>
@@ -1616,7 +1617,7 @@
           <a:p>
             <a:fld id="{6FEA4DE1-29A1-49DE-9A78-61F90F881913}" type="datetimeFigureOut">
               <a:rPr lang="fr-BE" smtClean="0"/>
-              <a:t>09-01-16</a:t>
+              <a:t>10-01-16</a:t>
             </a:fld>
             <a:endParaRPr lang="fr-BE"/>
           </a:p>
@@ -1734,7 +1735,7 @@
           <a:p>
             <a:fld id="{6FEA4DE1-29A1-49DE-9A78-61F90F881913}" type="datetimeFigureOut">
               <a:rPr lang="fr-BE" smtClean="0"/>
-              <a:t>09-01-16</a:t>
+              <a:t>10-01-16</a:t>
             </a:fld>
             <a:endParaRPr lang="fr-BE"/>
           </a:p>
@@ -1829,7 +1830,7 @@
           <a:p>
             <a:fld id="{6FEA4DE1-29A1-49DE-9A78-61F90F881913}" type="datetimeFigureOut">
               <a:rPr lang="fr-BE" smtClean="0"/>
-              <a:t>09-01-16</a:t>
+              <a:t>10-01-16</a:t>
             </a:fld>
             <a:endParaRPr lang="fr-BE"/>
           </a:p>
@@ -2106,7 +2107,7 @@
           <a:p>
             <a:fld id="{6FEA4DE1-29A1-49DE-9A78-61F90F881913}" type="datetimeFigureOut">
               <a:rPr lang="fr-BE" smtClean="0"/>
-              <a:t>09-01-16</a:t>
+              <a:t>10-01-16</a:t>
             </a:fld>
             <a:endParaRPr lang="fr-BE"/>
           </a:p>
@@ -2359,7 +2360,7 @@
           <a:p>
             <a:fld id="{6FEA4DE1-29A1-49DE-9A78-61F90F881913}" type="datetimeFigureOut">
               <a:rPr lang="fr-BE" smtClean="0"/>
-              <a:t>09-01-16</a:t>
+              <a:t>10-01-16</a:t>
             </a:fld>
             <a:endParaRPr lang="fr-BE"/>
           </a:p>
@@ -2572,7 +2573,7 @@
           <a:p>
             <a:fld id="{6FEA4DE1-29A1-49DE-9A78-61F90F881913}" type="datetimeFigureOut">
               <a:rPr lang="fr-BE" smtClean="0"/>
-              <a:t>09-01-16</a:t>
+              <a:t>10-01-16</a:t>
             </a:fld>
             <a:endParaRPr lang="fr-BE"/>
           </a:p>
@@ -3062,6 +3063,82 @@
 </p:sld>
 </file>
 
+<file path=ppt/slides/slide10.xml><?xml version="1.0" encoding="utf-8"?>
+<p:sld xmlns:a="http://schemas.openxmlformats.org/drawingml/2006/main" xmlns:r="http://schemas.openxmlformats.org/officeDocument/2006/relationships" xmlns:p="http://schemas.openxmlformats.org/presentationml/2006/main">
+  <p:cSld>
+    <p:spTree>
+      <p:nvGrpSpPr>
+        <p:cNvPr id="1" name=""/>
+        <p:cNvGrpSpPr/>
+        <p:nvPr/>
+      </p:nvGrpSpPr>
+      <p:grpSpPr>
+        <a:xfrm>
+          <a:off x="0" y="0"/>
+          <a:ext cx="0" cy="0"/>
+          <a:chOff x="0" y="0"/>
+          <a:chExt cx="0" cy="0"/>
+        </a:xfrm>
+      </p:grpSpPr>
+      <p:sp>
+        <p:nvSpPr>
+          <p:cNvPr id="2" name="Title 1"/>
+          <p:cNvSpPr>
+            <a:spLocks noGrp="1"/>
+          </p:cNvSpPr>
+          <p:nvPr>
+            <p:ph type="title"/>
+          </p:nvPr>
+        </p:nvSpPr>
+        <p:spPr/>
+        <p:txBody>
+          <a:bodyPr/>
+          <a:lstStyle/>
+          <a:p>
+            <a:r>
+              <a:rPr lang="fr-FR" u="sng" dirty="0" smtClean="0"/>
+              <a:t>Point Fort du </a:t>
+            </a:r>
+            <a:r>
+              <a:rPr lang="fr-FR" u="sng" dirty="0" err="1" smtClean="0"/>
+              <a:t>phaser</a:t>
+            </a:r>
+            <a:endParaRPr lang="fr-FR" u="sng" dirty="0"/>
+          </a:p>
+        </p:txBody>
+      </p:sp>
+      <p:sp>
+        <p:nvSpPr>
+          <p:cNvPr id="3" name="Content Placeholder 2"/>
+          <p:cNvSpPr>
+            <a:spLocks noGrp="1"/>
+          </p:cNvSpPr>
+          <p:nvPr>
+            <p:ph idx="1"/>
+          </p:nvPr>
+        </p:nvSpPr>
+        <p:spPr/>
+        <p:txBody>
+          <a:bodyPr/>
+          <a:lstStyle/>
+          <a:p>
+            <a:endParaRPr lang="fr-FR" dirty="0"/>
+          </a:p>
+        </p:txBody>
+      </p:sp>
+    </p:spTree>
+    <p:extLst>
+      <p:ext uri="{BB962C8B-B14F-4D97-AF65-F5344CB8AC3E}">
+        <p14:creationId xmlns:p14="http://schemas.microsoft.com/office/powerpoint/2010/main" val="3760274612"/>
+      </p:ext>
+    </p:extLst>
+  </p:cSld>
+  <p:clrMapOvr>
+    <a:masterClrMapping/>
+  </p:clrMapOvr>
+</p:sld>
+</file>
+
 <file path=ppt/slides/slide2.xml><?xml version="1.0" encoding="utf-8"?>
 <p:sld xmlns:a="http://schemas.openxmlformats.org/drawingml/2006/main" xmlns:r="http://schemas.openxmlformats.org/officeDocument/2006/relationships" xmlns:p="http://schemas.openxmlformats.org/presentationml/2006/main">
   <p:cSld>
@@ -3283,19 +3360,7 @@
             </a:r>
             <a:r>
               <a:rPr lang="fr-BE" dirty="0" smtClean="0"/>
-              <a:t> est seulement un conteneur du graphique, les graphique </a:t>
-            </a:r>
-            <a:r>
-              <a:rPr lang="fr-BE" dirty="0" smtClean="0"/>
-              <a:t>sont </a:t>
-            </a:r>
-            <a:r>
-              <a:rPr lang="fr-BE" dirty="0" smtClean="0"/>
-              <a:t>dessiner par un script en utilisant le </a:t>
-            </a:r>
-            <a:r>
-              <a:rPr lang="fr-BE" dirty="0" smtClean="0"/>
-              <a:t>JavaScript</a:t>
+              <a:t> est seulement un conteneur du graphique, les graphique sont dessiner par un script en utilisant le JavaScript</a:t>
             </a:r>
           </a:p>
           <a:p>
@@ -4909,10 +4974,138 @@
           <a:chExt cx="0" cy="0"/>
         </a:xfrm>
       </p:grpSpPr>
+      <p:sp>
+        <p:nvSpPr>
+          <p:cNvPr id="2" name="Title 1"/>
+          <p:cNvSpPr>
+            <a:spLocks noGrp="1"/>
+          </p:cNvSpPr>
+          <p:nvPr>
+            <p:ph type="title"/>
+          </p:nvPr>
+        </p:nvSpPr>
+        <p:spPr/>
+        <p:txBody>
+          <a:bodyPr/>
+          <a:lstStyle/>
+          <a:p>
+            <a:r>
+              <a:rPr lang="fr-FR" u="sng" dirty="0" smtClean="0"/>
+              <a:t>Phaser.js</a:t>
+            </a:r>
+            <a:endParaRPr lang="fr-FR" u="sng" dirty="0"/>
+          </a:p>
+        </p:txBody>
+      </p:sp>
+      <p:sp>
+        <p:nvSpPr>
+          <p:cNvPr id="3" name="Content Placeholder 2"/>
+          <p:cNvSpPr>
+            <a:spLocks noGrp="1"/>
+          </p:cNvSpPr>
+          <p:nvPr>
+            <p:ph idx="1"/>
+          </p:nvPr>
+        </p:nvSpPr>
+        <p:spPr/>
+        <p:txBody>
+          <a:bodyPr/>
+          <a:lstStyle/>
+          <a:p>
+            <a:r>
+              <a:rPr lang="fr-FR" dirty="0" err="1" smtClean="0"/>
+              <a:t>Phaser</a:t>
+            </a:r>
+            <a:r>
+              <a:rPr lang="fr-FR" dirty="0" smtClean="0"/>
+              <a:t> est un Library </a:t>
+            </a:r>
+            <a:r>
+              <a:rPr lang="fr-FR" dirty="0" err="1" smtClean="0"/>
+              <a:t>javascript</a:t>
+            </a:r>
+            <a:r>
+              <a:rPr lang="fr-FR" dirty="0" smtClean="0"/>
+              <a:t> faite principalement dans la but du création des </a:t>
+            </a:r>
+            <a:r>
+              <a:rPr lang="fr-FR" dirty="0" err="1" smtClean="0"/>
+              <a:t>games</a:t>
+            </a:r>
+            <a:r>
+              <a:rPr lang="fr-FR" dirty="0" smtClean="0"/>
+              <a:t> en </a:t>
+            </a:r>
+            <a:r>
+              <a:rPr lang="fr-FR" dirty="0" err="1" smtClean="0"/>
+              <a:t>Canvas</a:t>
+            </a:r>
+            <a:r>
+              <a:rPr lang="fr-FR" dirty="0" smtClean="0"/>
+              <a:t> </a:t>
+            </a:r>
+          </a:p>
+          <a:p>
+            <a:r>
+              <a:rPr lang="fr-FR" dirty="0" err="1" smtClean="0"/>
+              <a:t>Phaser</a:t>
+            </a:r>
+            <a:r>
+              <a:rPr lang="fr-FR" dirty="0" smtClean="0"/>
+              <a:t> utilise les principales fonction du </a:t>
+            </a:r>
+            <a:r>
+              <a:rPr lang="fr-FR" dirty="0" err="1" smtClean="0"/>
+              <a:t>javascript</a:t>
+            </a:r>
+            <a:r>
+              <a:rPr lang="fr-FR" dirty="0" smtClean="0"/>
+              <a:t> utiliser pour créer les graphique sur </a:t>
+            </a:r>
+            <a:r>
+              <a:rPr lang="fr-FR" dirty="0" err="1" smtClean="0"/>
+              <a:t>canvas</a:t>
+            </a:r>
+            <a:endParaRPr lang="fr-FR" dirty="0" smtClean="0"/>
+          </a:p>
+          <a:p>
+            <a:r>
+              <a:rPr lang="fr-FR" dirty="0" err="1" smtClean="0"/>
+              <a:t>Phaser</a:t>
+            </a:r>
+            <a:r>
+              <a:rPr lang="fr-FR" dirty="0" smtClean="0"/>
+              <a:t> est optimiser pour être rapide en ce qui concerne le </a:t>
+            </a:r>
+            <a:r>
+              <a:rPr lang="fr-FR" dirty="0" err="1" smtClean="0"/>
+              <a:t>rendering</a:t>
+            </a:r>
+            <a:r>
+              <a:rPr lang="fr-FR" dirty="0" smtClean="0"/>
+              <a:t> des graphiques sur les browsers modern</a:t>
+            </a:r>
+          </a:p>
+          <a:p>
+            <a:r>
+              <a:rPr lang="fr-FR" dirty="0"/>
+              <a:t> </a:t>
+            </a:r>
+            <a:r>
+              <a:rPr lang="fr-FR" dirty="0" err="1" smtClean="0"/>
+              <a:t>phaser</a:t>
+            </a:r>
+            <a:r>
+              <a:rPr lang="fr-FR" dirty="0" smtClean="0"/>
+              <a:t> admet une grand API et documentation avec de grand nombres des exemples.</a:t>
+            </a:r>
+          </a:p>
+        </p:txBody>
+      </p:sp>
     </p:spTree>
     <p:extLst>
       <p:ext uri="{BB962C8B-B14F-4D97-AF65-F5344CB8AC3E}">
-        <p14:creationId xmlns:p14="http://schemas.microsoft.com/office/powerpoint/2010/main" val="1962982988"/>
+        <p14:creationId xmlns:p14="http://schemas.microsoft.com/office/powerpoint/2010/main" val="1321762513"/>
       </p:ext>
     </p:extLst>
   </p:cSld>

--- a/CanvasGame/Un jeu en canvas.pptx
+++ b/CanvasGame/Un jeu en canvas.pptx
@@ -15,6 +15,7 @@
     <p:sldId id="264" r:id="rId9"/>
     <p:sldId id="265" r:id="rId10"/>
     <p:sldId id="266" r:id="rId11"/>
+    <p:sldId id="267" r:id="rId12"/>
   </p:sldIdLst>
   <p:sldSz cx="12192000" cy="6858000"/>
   <p:notesSz cx="6858000" cy="9144000"/>
@@ -252,7 +253,7 @@
           <a:p>
             <a:fld id="{6FEA4DE1-29A1-49DE-9A78-61F90F881913}" type="datetimeFigureOut">
               <a:rPr lang="fr-BE" smtClean="0"/>
-              <a:t>10-01-16</a:t>
+              <a:t>11-01-16</a:t>
             </a:fld>
             <a:endParaRPr lang="fr-BE"/>
           </a:p>
@@ -422,7 +423,7 @@
           <a:p>
             <a:fld id="{6FEA4DE1-29A1-49DE-9A78-61F90F881913}" type="datetimeFigureOut">
               <a:rPr lang="fr-BE" smtClean="0"/>
-              <a:t>10-01-16</a:t>
+              <a:t>11-01-16</a:t>
             </a:fld>
             <a:endParaRPr lang="fr-BE"/>
           </a:p>
@@ -602,7 +603,7 @@
           <a:p>
             <a:fld id="{6FEA4DE1-29A1-49DE-9A78-61F90F881913}" type="datetimeFigureOut">
               <a:rPr lang="fr-BE" smtClean="0"/>
-              <a:t>10-01-16</a:t>
+              <a:t>11-01-16</a:t>
             </a:fld>
             <a:endParaRPr lang="fr-BE"/>
           </a:p>
@@ -772,7 +773,7 @@
           <a:p>
             <a:fld id="{6FEA4DE1-29A1-49DE-9A78-61F90F881913}" type="datetimeFigureOut">
               <a:rPr lang="fr-BE" smtClean="0"/>
-              <a:t>10-01-16</a:t>
+              <a:t>11-01-16</a:t>
             </a:fld>
             <a:endParaRPr lang="fr-BE"/>
           </a:p>
@@ -1018,7 +1019,7 @@
           <a:p>
             <a:fld id="{6FEA4DE1-29A1-49DE-9A78-61F90F881913}" type="datetimeFigureOut">
               <a:rPr lang="fr-BE" smtClean="0"/>
-              <a:t>10-01-16</a:t>
+              <a:t>11-01-16</a:t>
             </a:fld>
             <a:endParaRPr lang="fr-BE"/>
           </a:p>
@@ -1250,7 +1251,7 @@
           <a:p>
             <a:fld id="{6FEA4DE1-29A1-49DE-9A78-61F90F881913}" type="datetimeFigureOut">
               <a:rPr lang="fr-BE" smtClean="0"/>
-              <a:t>10-01-16</a:t>
+              <a:t>11-01-16</a:t>
             </a:fld>
             <a:endParaRPr lang="fr-BE"/>
           </a:p>
@@ -1617,7 +1618,7 @@
           <a:p>
             <a:fld id="{6FEA4DE1-29A1-49DE-9A78-61F90F881913}" type="datetimeFigureOut">
               <a:rPr lang="fr-BE" smtClean="0"/>
-              <a:t>10-01-16</a:t>
+              <a:t>11-01-16</a:t>
             </a:fld>
             <a:endParaRPr lang="fr-BE"/>
           </a:p>
@@ -1735,7 +1736,7 @@
           <a:p>
             <a:fld id="{6FEA4DE1-29A1-49DE-9A78-61F90F881913}" type="datetimeFigureOut">
               <a:rPr lang="fr-BE" smtClean="0"/>
-              <a:t>10-01-16</a:t>
+              <a:t>11-01-16</a:t>
             </a:fld>
             <a:endParaRPr lang="fr-BE"/>
           </a:p>
@@ -1830,7 +1831,7 @@
           <a:p>
             <a:fld id="{6FEA4DE1-29A1-49DE-9A78-61F90F881913}" type="datetimeFigureOut">
               <a:rPr lang="fr-BE" smtClean="0"/>
-              <a:t>10-01-16</a:t>
+              <a:t>11-01-16</a:t>
             </a:fld>
             <a:endParaRPr lang="fr-BE"/>
           </a:p>
@@ -2107,7 +2108,7 @@
           <a:p>
             <a:fld id="{6FEA4DE1-29A1-49DE-9A78-61F90F881913}" type="datetimeFigureOut">
               <a:rPr lang="fr-BE" smtClean="0"/>
-              <a:t>10-01-16</a:t>
+              <a:t>11-01-16</a:t>
             </a:fld>
             <a:endParaRPr lang="fr-BE"/>
           </a:p>
@@ -2360,7 +2361,7 @@
           <a:p>
             <a:fld id="{6FEA4DE1-29A1-49DE-9A78-61F90F881913}" type="datetimeFigureOut">
               <a:rPr lang="fr-BE" smtClean="0"/>
-              <a:t>10-01-16</a:t>
+              <a:t>11-01-16</a:t>
             </a:fld>
             <a:endParaRPr lang="fr-BE"/>
           </a:p>
@@ -2573,7 +2574,7 @@
           <a:p>
             <a:fld id="{6FEA4DE1-29A1-49DE-9A78-61F90F881913}" type="datetimeFigureOut">
               <a:rPr lang="fr-BE" smtClean="0"/>
-              <a:t>10-01-16</a:t>
+              <a:t>11-01-16</a:t>
             </a:fld>
             <a:endParaRPr lang="fr-BE"/>
           </a:p>
@@ -3096,8 +3097,12 @@
           <a:lstStyle/>
           <a:p>
             <a:r>
+              <a:rPr lang="fr-FR" u="sng" dirty="0" err="1" smtClean="0"/>
+              <a:t>Example</a:t>
+            </a:r>
+            <a:r>
               <a:rPr lang="fr-FR" u="sng" dirty="0" smtClean="0"/>
-              <a:t>Point Fort du </a:t>
+              <a:t> avec </a:t>
             </a:r>
             <a:r>
               <a:rPr lang="fr-FR" u="sng" dirty="0" err="1" smtClean="0"/>
@@ -3122,6 +3127,81 @@
           <a:bodyPr/>
           <a:lstStyle/>
           <a:p>
+            <a:pPr marL="0" indent="0">
+              <a:buNone/>
+            </a:pPr>
+            <a:r>
+              <a:rPr lang="fr-FR" dirty="0" smtClean="0"/>
+              <a:t>Voir ce </a:t>
+            </a:r>
+            <a:r>
+              <a:rPr lang="fr-FR" dirty="0" err="1" smtClean="0"/>
+              <a:t>link</a:t>
+            </a:r>
+            <a:r>
+              <a:rPr lang="fr-FR" dirty="0" smtClean="0"/>
+              <a:t> </a:t>
+            </a:r>
+            <a:r>
+              <a:rPr lang="fr-FR" dirty="0"/>
+              <a:t>pour l’exemple : </a:t>
+            </a:r>
+            <a:r>
+              <a:rPr lang="fr-FR" dirty="0">
+                <a:hlinkClick r:id="rId2"/>
+              </a:rPr>
+              <a:t>http</a:t>
+            </a:r>
+            <a:r>
+              <a:rPr lang="fr-FR">
+                <a:hlinkClick r:id="rId2"/>
+              </a:rPr>
+              <a:t>://</a:t>
+            </a:r>
+            <a:r>
+              <a:rPr lang="fr-FR" smtClean="0">
+                <a:hlinkClick r:id="rId2"/>
+              </a:rPr>
+              <a:t>phaser/galaxy.htm</a:t>
+            </a:r>
+            <a:endParaRPr lang="fr-FR" dirty="0" smtClean="0"/>
+          </a:p>
+          <a:p>
+            <a:pPr marL="0" indent="0">
+              <a:buNone/>
+            </a:pPr>
+            <a:r>
+              <a:rPr lang="fr-FR" dirty="0" smtClean="0"/>
+              <a:t>Le jeux est attacher dans le </a:t>
+            </a:r>
+            <a:r>
+              <a:rPr lang="fr-FR" dirty="0" err="1" smtClean="0"/>
+              <a:t>repertoir</a:t>
+            </a:r>
+            <a:r>
+              <a:rPr lang="fr-FR" dirty="0" smtClean="0"/>
+              <a:t> :</a:t>
+            </a:r>
+            <a:r>
+              <a:rPr lang="fr-FR" dirty="0" err="1" smtClean="0"/>
+              <a:t>CanvasGame</a:t>
+            </a:r>
+            <a:r>
+              <a:rPr lang="fr-FR" dirty="0" smtClean="0"/>
+              <a:t>/</a:t>
+            </a:r>
+            <a:r>
+              <a:rPr lang="fr-FR" dirty="0" err="1" smtClean="0"/>
+              <a:t>Demo</a:t>
+            </a:r>
+            <a:r>
+              <a:rPr lang="fr-FR" dirty="0" smtClean="0"/>
+              <a:t>/</a:t>
+            </a:r>
+            <a:r>
+              <a:rPr lang="fr-FR" dirty="0" err="1" smtClean="0"/>
+              <a:t>Phaser</a:t>
+            </a:r>
             <a:endParaRPr lang="fr-FR" dirty="0"/>
           </a:p>
         </p:txBody>
@@ -3130,6 +3210,98 @@
     <p:extLst>
       <p:ext uri="{BB962C8B-B14F-4D97-AF65-F5344CB8AC3E}">
         <p14:creationId xmlns:p14="http://schemas.microsoft.com/office/powerpoint/2010/main" val="3760274612"/>
+      </p:ext>
+    </p:extLst>
+  </p:cSld>
+  <p:clrMapOvr>
+    <a:masterClrMapping/>
+  </p:clrMapOvr>
+  <p:timing>
+    <p:tnLst>
+      <p:par>
+        <p:cTn id="1" dur="indefinite" restart="never" nodeType="tmRoot"/>
+      </p:par>
+    </p:tnLst>
+  </p:timing>
+</p:sld>
+</file>
+
+<file path=ppt/slides/slide11.xml><?xml version="1.0" encoding="utf-8"?>
+<p:sld xmlns:a="http://schemas.openxmlformats.org/drawingml/2006/main" xmlns:r="http://schemas.openxmlformats.org/officeDocument/2006/relationships" xmlns:p="http://schemas.openxmlformats.org/presentationml/2006/main">
+  <p:cSld>
+    <p:spTree>
+      <p:nvGrpSpPr>
+        <p:cNvPr id="1" name=""/>
+        <p:cNvGrpSpPr/>
+        <p:nvPr/>
+      </p:nvGrpSpPr>
+      <p:grpSpPr>
+        <a:xfrm>
+          <a:off x="0" y="0"/>
+          <a:ext cx="0" cy="0"/>
+          <a:chOff x="0" y="0"/>
+          <a:chExt cx="0" cy="0"/>
+        </a:xfrm>
+      </p:grpSpPr>
+      <p:sp>
+        <p:nvSpPr>
+          <p:cNvPr id="4" name="Rectangle 3"/>
+          <p:cNvSpPr/>
+          <p:nvPr/>
+        </p:nvSpPr>
+        <p:spPr>
+          <a:xfrm>
+            <a:off x="5193606" y="2967335"/>
+            <a:ext cx="1804789" cy="923330"/>
+          </a:xfrm>
+          <a:prstGeom prst="rect">
+            <a:avLst/>
+          </a:prstGeom>
+          <a:noFill/>
+        </p:spPr>
+        <p:txBody>
+          <a:bodyPr wrap="none" lIns="91440" tIns="45720" rIns="91440" bIns="45720">
+            <a:spAutoFit/>
+          </a:bodyPr>
+          <a:lstStyle/>
+          <a:p>
+            <a:pPr algn="ctr"/>
+            <a:r>
+              <a:rPr lang="en-US" sz="5400" b="0" cap="none" spc="0" smtClean="0">
+                <a:ln w="0"/>
+                <a:solidFill>
+                  <a:schemeClr val="tx1"/>
+                </a:solidFill>
+                <a:effectLst>
+                  <a:outerShdw blurRad="38100" dist="19050" dir="2700000" algn="tl" rotWithShape="0">
+                    <a:schemeClr val="dk1">
+                      <a:alpha val="40000"/>
+                    </a:schemeClr>
+                  </a:outerShdw>
+                </a:effectLst>
+              </a:rPr>
+              <a:t>Merci</a:t>
+            </a:r>
+            <a:endParaRPr lang="en-US" sz="5400" b="0" cap="none" spc="0" dirty="0">
+              <a:ln w="0"/>
+              <a:solidFill>
+                <a:schemeClr val="tx1"/>
+              </a:solidFill>
+              <a:effectLst>
+                <a:outerShdw blurRad="38100" dist="19050" dir="2700000" algn="tl" rotWithShape="0">
+                  <a:schemeClr val="dk1">
+                    <a:alpha val="40000"/>
+                  </a:schemeClr>
+                </a:outerShdw>
+              </a:effectLst>
+            </a:endParaRPr>
+          </a:p>
+        </p:txBody>
+      </p:sp>
+    </p:spTree>
+    <p:extLst>
+      <p:ext uri="{BB962C8B-B14F-4D97-AF65-F5344CB8AC3E}">
+        <p14:creationId xmlns:p14="http://schemas.microsoft.com/office/powerpoint/2010/main" val="781082935"/>
       </p:ext>
     </p:extLst>
   </p:cSld>
@@ -4954,6 +5126,13 @@
   <p:clrMapOvr>
     <a:masterClrMapping/>
   </p:clrMapOvr>
+  <p:timing>
+    <p:tnLst>
+      <p:par>
+        <p:cTn id="1" dur="indefinite" restart="never" nodeType="tmRoot"/>
+      </p:par>
+    </p:tnLst>
+  </p:timing>
 </p:sld>
 </file>
 
@@ -5007,9 +5186,16 @@
             <p:ph idx="1"/>
           </p:nvPr>
         </p:nvSpPr>
-        <p:spPr/>
-        <p:txBody>
-          <a:bodyPr/>
+        <p:spPr>
+          <a:xfrm>
+            <a:off x="838200" y="1825624"/>
+            <a:ext cx="10515600" cy="5032375"/>
+          </a:xfrm>
+        </p:spPr>
+        <p:txBody>
+          <a:bodyPr>
+            <a:normAutofit/>
+          </a:bodyPr>
           <a:lstStyle/>
           <a:p>
             <a:r>
@@ -5099,6 +5285,105 @@
               <a:rPr lang="fr-FR" dirty="0" smtClean="0"/>
               <a:t> admet une grand API et documentation avec de grand nombres des exemples.</a:t>
             </a:r>
+          </a:p>
+          <a:p>
+            <a:endParaRPr lang="fr-FR" dirty="0"/>
+          </a:p>
+          <a:p>
+            <a:pPr marL="0" indent="0">
+              <a:buNone/>
+            </a:pPr>
+            <a:r>
+              <a:rPr lang="fr-FR" sz="1200" dirty="0" smtClean="0"/>
+              <a:t>Site Url </a:t>
+            </a:r>
+            <a:r>
+              <a:rPr lang="fr-FR" sz="1200" dirty="0"/>
+              <a:t>: </a:t>
+            </a:r>
+            <a:r>
+              <a:rPr lang="fr-FR" sz="1200" u="sng" dirty="0">
+                <a:solidFill>
+                  <a:srgbClr val="00B0F0"/>
+                </a:solidFill>
+                <a:hlinkClick r:id="rId2"/>
+              </a:rPr>
+              <a:t>http://</a:t>
+            </a:r>
+            <a:r>
+              <a:rPr lang="fr-FR" sz="1200" u="sng" dirty="0" smtClean="0">
+                <a:solidFill>
+                  <a:srgbClr val="00B0F0"/>
+                </a:solidFill>
+                <a:hlinkClick r:id="rId2"/>
+              </a:rPr>
+              <a:t>phaser.io</a:t>
+            </a:r>
+            <a:endParaRPr lang="fr-FR" sz="1200" dirty="0" smtClean="0"/>
+          </a:p>
+          <a:p>
+            <a:pPr marL="0" indent="0">
+              <a:buNone/>
+            </a:pPr>
+            <a:r>
+              <a:rPr lang="fr-FR" sz="1200" dirty="0" smtClean="0"/>
+              <a:t>Documentation </a:t>
+            </a:r>
+            <a:r>
+              <a:rPr lang="fr-FR" sz="1200" dirty="0"/>
+              <a:t>: </a:t>
+            </a:r>
+            <a:r>
+              <a:rPr lang="fr-FR" sz="1200" u="sng" dirty="0">
+                <a:solidFill>
+                  <a:srgbClr val="00B0F0"/>
+                </a:solidFill>
+                <a:hlinkClick r:id="rId3"/>
+              </a:rPr>
+              <a:t>http://</a:t>
+            </a:r>
+            <a:r>
+              <a:rPr lang="fr-FR" sz="1200" u="sng" dirty="0" smtClean="0">
+                <a:solidFill>
+                  <a:srgbClr val="00B0F0"/>
+                </a:solidFill>
+                <a:hlinkClick r:id="rId3"/>
+              </a:rPr>
+              <a:t>phaser.io/docs/2.4.4/index</a:t>
+            </a:r>
+            <a:endParaRPr lang="fr-FR" sz="1200" u="sng" dirty="0" smtClean="0">
+              <a:solidFill>
+                <a:srgbClr val="00B0F0"/>
+              </a:solidFill>
+            </a:endParaRPr>
+          </a:p>
+          <a:p>
+            <a:pPr marL="0" indent="0">
+              <a:buNone/>
+            </a:pPr>
+            <a:r>
+              <a:rPr lang="fr-FR" sz="1200" dirty="0"/>
+              <a:t>Exemples : </a:t>
+            </a:r>
+            <a:r>
+              <a:rPr lang="fr-FR" sz="1200" dirty="0">
+                <a:hlinkClick r:id="rId4"/>
+              </a:rPr>
+              <a:t>http://</a:t>
+            </a:r>
+            <a:r>
+              <a:rPr lang="fr-FR" sz="1200" dirty="0" smtClean="0">
+                <a:hlinkClick r:id="rId4"/>
+              </a:rPr>
+              <a:t>phaser.io/examples</a:t>
+            </a:r>
+            <a:endParaRPr lang="fr-FR" sz="1200" dirty="0" smtClean="0"/>
+          </a:p>
+          <a:p>
+            <a:pPr marL="0" indent="0">
+              <a:buNone/>
+            </a:pPr>
+            <a:endParaRPr lang="fr-FR" sz="1200" dirty="0" smtClean="0"/>
           </a:p>
         </p:txBody>
       </p:sp>
@@ -5112,6 +5397,13 @@
   <p:clrMapOvr>
     <a:masterClrMapping/>
   </p:clrMapOvr>
+  <p:timing>
+    <p:tnLst>
+      <p:par>
+        <p:cTn id="1" dur="indefinite" restart="never" nodeType="tmRoot"/>
+      </p:par>
+    </p:tnLst>
+  </p:timing>
 </p:sld>
 </file>
 
